--- a/daily/202105-risc-v/20210430-绪论/绪论.pptx
+++ b/daily/202105-risc-v/20210430-绪论/绪论.pptx
@@ -5,31 +5,31 @@
     <p:sldMasterId id="2147483648" r:id="rId1"/>
   </p:sldMasterIdLst>
   <p:notesMasterIdLst>
-    <p:notesMasterId r:id="rId4"/>
+    <p:notesMasterId r:id="rId24"/>
   </p:notesMasterIdLst>
   <p:sldIdLst>
-    <p:sldId id="339" r:id="rId3"/>
-    <p:sldId id="551" r:id="rId5"/>
-    <p:sldId id="533" r:id="rId6"/>
-    <p:sldId id="575" r:id="rId7"/>
-    <p:sldId id="580" r:id="rId8"/>
-    <p:sldId id="609" r:id="rId9"/>
-    <p:sldId id="583" r:id="rId10"/>
-    <p:sldId id="610" r:id="rId11"/>
-    <p:sldId id="585" r:id="rId12"/>
-    <p:sldId id="598" r:id="rId13"/>
-    <p:sldId id="586" r:id="rId14"/>
-    <p:sldId id="600" r:id="rId15"/>
-    <p:sldId id="601" r:id="rId16"/>
-    <p:sldId id="587" r:id="rId17"/>
-    <p:sldId id="602" r:id="rId18"/>
-    <p:sldId id="611" r:id="rId19"/>
-    <p:sldId id="590" r:id="rId20"/>
-    <p:sldId id="605" r:id="rId21"/>
-    <p:sldId id="607" r:id="rId22"/>
-    <p:sldId id="608" r:id="rId23"/>
-    <p:sldId id="606" r:id="rId24"/>
-    <p:sldId id="594" r:id="rId25"/>
+    <p:sldId id="339" r:id="rId2"/>
+    <p:sldId id="551" r:id="rId3"/>
+    <p:sldId id="533" r:id="rId4"/>
+    <p:sldId id="575" r:id="rId5"/>
+    <p:sldId id="580" r:id="rId6"/>
+    <p:sldId id="609" r:id="rId7"/>
+    <p:sldId id="583" r:id="rId8"/>
+    <p:sldId id="610" r:id="rId9"/>
+    <p:sldId id="585" r:id="rId10"/>
+    <p:sldId id="598" r:id="rId11"/>
+    <p:sldId id="586" r:id="rId12"/>
+    <p:sldId id="600" r:id="rId13"/>
+    <p:sldId id="601" r:id="rId14"/>
+    <p:sldId id="587" r:id="rId15"/>
+    <p:sldId id="602" r:id="rId16"/>
+    <p:sldId id="611" r:id="rId17"/>
+    <p:sldId id="590" r:id="rId18"/>
+    <p:sldId id="605" r:id="rId19"/>
+    <p:sldId id="607" r:id="rId20"/>
+    <p:sldId id="608" r:id="rId21"/>
+    <p:sldId id="606" r:id="rId22"/>
+    <p:sldId id="594" r:id="rId23"/>
   </p:sldIdLst>
   <p:sldSz cx="9144000" cy="6858000" type="screen4x3"/>
   <p:notesSz cx="6858000" cy="9144000"/>
@@ -158,6 +158,22 @@
       </a:defRPr>
     </a:lvl9pPr>
   </p:defaultTextStyle>
+  <p:extLst>
+    <p:ext uri="{EFAFB233-063F-42B5-8137-9DF3F51BA10A}">
+      <p15:sldGuideLst xmlns:p15="http://schemas.microsoft.com/office/powerpoint/2012/main">
+        <p15:guide id="1" orient="horz" pos="2160">
+          <p15:clr>
+            <a:srgbClr val="A4A3A4"/>
+          </p15:clr>
+        </p15:guide>
+        <p15:guide id="2" pos="2903">
+          <p15:clr>
+            <a:srgbClr val="A4A3A4"/>
+          </p15:clr>
+        </p15:guide>
+      </p15:sldGuideLst>
+    </p:ext>
+  </p:extLst>
 </p:presentation>
 </file>
 
@@ -276,6 +292,7 @@
             </a:pPr>
             <a:fld id="{283B16B2-2A62-45AC-82A9-BA5CFA61DC51}" type="datetimeFigureOut">
               <a:rPr lang="zh-CN" altLang="en-US"/>
+              <a:t>2021/5/12</a:t>
             </a:fld>
             <a:endParaRPr lang="zh-CN" altLang="en-US"/>
           </a:p>
@@ -343,7 +360,6 @@
               <a:rPr lang="zh-CN" altLang="en-US" noProof="0"/>
               <a:t>单击此处编辑母版文本样式</a:t>
             </a:r>
-            <a:endParaRPr lang="zh-CN" altLang="en-US" noProof="0"/>
           </a:p>
           <a:p>
             <a:pPr lvl="1"/>
@@ -351,7 +367,6 @@
               <a:rPr lang="zh-CN" altLang="en-US" noProof="0"/>
               <a:t>第二级</a:t>
             </a:r>
-            <a:endParaRPr lang="zh-CN" altLang="en-US" noProof="0"/>
           </a:p>
           <a:p>
             <a:pPr lvl="2"/>
@@ -359,7 +374,6 @@
               <a:rPr lang="zh-CN" altLang="en-US" noProof="0"/>
               <a:t>第三级</a:t>
             </a:r>
-            <a:endParaRPr lang="zh-CN" altLang="en-US" noProof="0"/>
           </a:p>
           <a:p>
             <a:pPr lvl="3"/>
@@ -367,7 +381,6 @@
               <a:rPr lang="zh-CN" altLang="en-US" noProof="0"/>
               <a:t>第四级</a:t>
             </a:r>
-            <a:endParaRPr lang="zh-CN" altLang="en-US" noProof="0"/>
           </a:p>
           <a:p>
             <a:pPr lvl="4"/>
@@ -375,7 +388,6 @@
               <a:rPr lang="zh-CN" altLang="en-US" noProof="0"/>
               <a:t>第五级</a:t>
             </a:r>
-            <a:endParaRPr lang="zh-CN" altLang="en-US" noProof="0"/>
           </a:p>
         </p:txBody>
       </p:sp>
@@ -451,6 +463,7 @@
           <a:p>
             <a:fld id="{E78F97FB-B656-47E0-806F-44CC0751852B}" type="slidenum">
               <a:rPr lang="zh-CN" altLang="en-US"/>
+              <a:t>‹#›</a:t>
             </a:fld>
             <a:endParaRPr lang="zh-CN" altLang="en-US"/>
           </a:p>
@@ -649,6 +662,7 @@
           <a:p>
             <a:fld id="{E78F97FB-B656-47E0-806F-44CC0751852B}" type="slidenum">
               <a:rPr lang="zh-CN" altLang="en-US" smtClean="0"/>
+              <a:t>1</a:t>
             </a:fld>
             <a:endParaRPr lang="zh-CN" altLang="en-US"/>
           </a:p>
@@ -727,6 +741,7 @@
           <a:p>
             <a:fld id="{FE0819F3-8BDE-40E1-8C45-C3E4DA85606A}" type="slidenum">
               <a:rPr lang="zh-CN" altLang="en-US" smtClean="0"/>
+              <a:t>10</a:t>
             </a:fld>
             <a:endParaRPr lang="zh-CN" altLang="en-US"/>
           </a:p>
@@ -794,6 +809,49 @@
             </a:r>
             <a:endParaRPr lang="en-US" altLang="zh-CN" dirty="0"/>
           </a:p>
+          <a:p>
+            <a:r>
+              <a:rPr lang="zh-CN" altLang="en-US" dirty="0"/>
+              <a:t>硬件设备的四个主要功能：输入数据、输出数据、处理数据、存储数据</a:t>
+            </a:r>
+          </a:p>
+          <a:p>
+            <a:endParaRPr lang="zh-CN" altLang="en-US" dirty="0"/>
+          </a:p>
+          <a:p>
+            <a:r>
+              <a:rPr lang="zh-CN" altLang="en-US" dirty="0"/>
+              <a:t>计算机组成的五大部分：输入、输出、数据通路、控制、内存</a:t>
+            </a:r>
+          </a:p>
+          <a:p>
+            <a:endParaRPr lang="zh-CN" altLang="en-US" dirty="0"/>
+          </a:p>
+          <a:p>
+            <a:r>
+              <a:rPr lang="zh-CN" altLang="en-US" dirty="0"/>
+              <a:t>输入：麦克风、键盘、触摸屏</a:t>
+            </a:r>
+          </a:p>
+          <a:p>
+            <a:endParaRPr lang="zh-CN" altLang="en-US" dirty="0"/>
+          </a:p>
+          <a:p>
+            <a:r>
+              <a:rPr lang="zh-CN" altLang="en-US" dirty="0"/>
+              <a:t>输出：扬声器、显示屏</a:t>
+            </a:r>
+          </a:p>
+          <a:p>
+            <a:endParaRPr lang="zh-CN" altLang="en-US" dirty="0"/>
+          </a:p>
+          <a:p>
+            <a:r>
+              <a:rPr lang="zh-CN" altLang="en-US" dirty="0"/>
+              <a:t>处理：包括数据通路和控制，</a:t>
+            </a:r>
+            <a:endParaRPr lang="en-US" altLang="zh-CN" dirty="0"/>
+          </a:p>
         </p:txBody>
       </p:sp>
       <p:sp>
@@ -813,6 +871,7 @@
           <a:p>
             <a:fld id="{FE0819F3-8BDE-40E1-8C45-C3E4DA85606A}" type="slidenum">
               <a:rPr lang="zh-CN" altLang="en-US" smtClean="0"/>
+              <a:t>11</a:t>
             </a:fld>
             <a:endParaRPr lang="zh-CN" altLang="en-US"/>
           </a:p>
@@ -870,68 +929,6 @@
           <a:bodyPr/>
           <a:lstStyle/>
           <a:p>
-            <a:r>
-              <a:rPr lang="zh-CN" altLang="en-US" dirty="0"/>
-              <a:t>*软件的编写直接面向硬件系统，即使同一家公司的不同产品，它们的软件都不是通用的</a:t>
-            </a:r>
-            <a:endParaRPr lang="en-US" altLang="zh-CN" dirty="0"/>
-          </a:p>
-          <a:p>
-            <a:r>
-              <a:rPr lang="zh-CN" altLang="en-US" dirty="0"/>
-              <a:t>*</a:t>
-            </a:r>
-            <a:r>
-              <a:rPr lang="en-US" altLang="zh-CN" dirty="0"/>
-              <a:t>ISA</a:t>
-            </a:r>
-            <a:r>
-              <a:rPr lang="zh-CN" altLang="en-US" dirty="0"/>
-              <a:t>：包括一套指令集和一些寄存器，程序员知道它们就可以编程；而硬件设计者则必须在一定的</a:t>
-            </a:r>
-            <a:r>
-              <a:rPr lang="en-US" altLang="zh-CN" dirty="0"/>
-              <a:t>ISA</a:t>
-            </a:r>
-            <a:r>
-              <a:rPr lang="zh-CN" altLang="en-US" dirty="0"/>
-              <a:t>规定下设计硬件电路</a:t>
-            </a:r>
-            <a:endParaRPr lang="en-US" altLang="zh-CN" dirty="0"/>
-          </a:p>
-          <a:p>
-            <a:r>
-              <a:rPr lang="en-US" altLang="zh-CN" dirty="0"/>
-              <a:t>*Intel</a:t>
-            </a:r>
-            <a:r>
-              <a:rPr lang="zh-CN" altLang="en-US" dirty="0"/>
-              <a:t>和</a:t>
-            </a:r>
-            <a:r>
-              <a:rPr lang="en-US" altLang="zh-CN" dirty="0"/>
-              <a:t>AMD</a:t>
-            </a:r>
-            <a:r>
-              <a:rPr lang="zh-CN" altLang="en-US" dirty="0"/>
-              <a:t>都是基于</a:t>
-            </a:r>
-            <a:r>
-              <a:rPr lang="en-US" altLang="zh-CN" dirty="0"/>
-              <a:t>x86</a:t>
-            </a:r>
-            <a:r>
-              <a:rPr lang="zh-CN" altLang="en-US" dirty="0"/>
-              <a:t>指令集，手机程序大多基于</a:t>
-            </a:r>
-            <a:r>
-              <a:rPr lang="en-US" altLang="zh-CN" dirty="0"/>
-              <a:t>ARM</a:t>
-            </a:r>
-            <a:r>
-              <a:rPr lang="zh-CN" altLang="en-US" dirty="0"/>
-              <a:t>指令集</a:t>
-            </a:r>
             <a:endParaRPr lang="en-US" altLang="zh-CN" dirty="0"/>
           </a:p>
         </p:txBody>
@@ -953,6 +950,7 @@
           <a:p>
             <a:fld id="{FE0819F3-8BDE-40E1-8C45-C3E4DA85606A}" type="slidenum">
               <a:rPr lang="zh-CN" altLang="en-US" smtClean="0"/>
+              <a:t>12</a:t>
             </a:fld>
             <a:endParaRPr lang="zh-CN" altLang="en-US"/>
           </a:p>
@@ -1093,6 +1091,7 @@
           <a:p>
             <a:fld id="{FE0819F3-8BDE-40E1-8C45-C3E4DA85606A}" type="slidenum">
               <a:rPr lang="zh-CN" altLang="en-US" smtClean="0"/>
+              <a:t>13</a:t>
             </a:fld>
             <a:endParaRPr lang="zh-CN" altLang="en-US"/>
           </a:p>
@@ -1233,6 +1232,7 @@
           <a:p>
             <a:fld id="{FE0819F3-8BDE-40E1-8C45-C3E4DA85606A}" type="slidenum">
               <a:rPr lang="zh-CN" altLang="en-US" smtClean="0"/>
+              <a:t>14</a:t>
             </a:fld>
             <a:endParaRPr lang="zh-CN" altLang="en-US"/>
           </a:p>
@@ -1373,6 +1373,7 @@
           <a:p>
             <a:fld id="{FE0819F3-8BDE-40E1-8C45-C3E4DA85606A}" type="slidenum">
               <a:rPr lang="zh-CN" altLang="en-US" smtClean="0"/>
+              <a:t>15</a:t>
             </a:fld>
             <a:endParaRPr lang="zh-CN" altLang="en-US"/>
           </a:p>
@@ -1451,6 +1452,7 @@
           <a:p>
             <a:fld id="{FE0819F3-8BDE-40E1-8C45-C3E4DA85606A}" type="slidenum">
               <a:rPr lang="zh-CN" altLang="en-US" smtClean="0"/>
+              <a:t>16</a:t>
             </a:fld>
             <a:endParaRPr lang="zh-CN" altLang="en-US"/>
           </a:p>
@@ -1555,6 +1557,7 @@
           <a:p>
             <a:fld id="{FE0819F3-8BDE-40E1-8C45-C3E4DA85606A}" type="slidenum">
               <a:rPr lang="zh-CN" altLang="en-US" smtClean="0"/>
+              <a:t>17</a:t>
             </a:fld>
             <a:endParaRPr lang="zh-CN" altLang="en-US"/>
           </a:p>
@@ -1659,6 +1662,7 @@
           <a:p>
             <a:fld id="{FE0819F3-8BDE-40E1-8C45-C3E4DA85606A}" type="slidenum">
               <a:rPr lang="zh-CN" altLang="en-US" smtClean="0"/>
+              <a:t>18</a:t>
             </a:fld>
             <a:endParaRPr lang="zh-CN" altLang="en-US"/>
           </a:p>
@@ -1763,6 +1767,7 @@
           <a:p>
             <a:fld id="{FE0819F3-8BDE-40E1-8C45-C3E4DA85606A}" type="slidenum">
               <a:rPr lang="zh-CN" altLang="en-US" smtClean="0"/>
+              <a:t>19</a:t>
             </a:fld>
             <a:endParaRPr lang="zh-CN" altLang="en-US"/>
           </a:p>
@@ -1841,6 +1846,7 @@
           <a:p>
             <a:fld id="{FE0819F3-8BDE-40E1-8C45-C3E4DA85606A}" type="slidenum">
               <a:rPr lang="zh-CN" altLang="en-US" smtClean="0"/>
+              <a:t>2</a:t>
             </a:fld>
             <a:endParaRPr lang="zh-CN" altLang="en-US"/>
           </a:p>
@@ -1945,6 +1951,7 @@
           <a:p>
             <a:fld id="{FE0819F3-8BDE-40E1-8C45-C3E4DA85606A}" type="slidenum">
               <a:rPr lang="zh-CN" altLang="en-US" smtClean="0"/>
+              <a:t>20</a:t>
             </a:fld>
             <a:endParaRPr lang="zh-CN" altLang="en-US"/>
           </a:p>
@@ -2049,6 +2056,7 @@
           <a:p>
             <a:fld id="{FE0819F3-8BDE-40E1-8C45-C3E4DA85606A}" type="slidenum">
               <a:rPr lang="zh-CN" altLang="en-US" smtClean="0"/>
+              <a:t>21</a:t>
             </a:fld>
             <a:endParaRPr lang="zh-CN" altLang="en-US"/>
           </a:p>
@@ -2127,6 +2135,7 @@
           <a:p>
             <a:fld id="{FE0819F3-8BDE-40E1-8C45-C3E4DA85606A}" type="slidenum">
               <a:rPr lang="zh-CN" altLang="en-US" smtClean="0"/>
+              <a:t>22</a:t>
             </a:fld>
             <a:endParaRPr lang="zh-CN" altLang="en-US"/>
           </a:p>
@@ -2231,6 +2240,7 @@
           <a:p>
             <a:fld id="{FE0819F3-8BDE-40E1-8C45-C3E4DA85606A}" type="slidenum">
               <a:rPr lang="zh-CN" altLang="en-US" smtClean="0"/>
+              <a:t>3</a:t>
             </a:fld>
             <a:endParaRPr lang="zh-CN" altLang="en-US"/>
           </a:p>
@@ -2309,6 +2319,7 @@
           <a:p>
             <a:fld id="{FE0819F3-8BDE-40E1-8C45-C3E4DA85606A}" type="slidenum">
               <a:rPr lang="zh-CN" altLang="en-US" smtClean="0"/>
+              <a:t>4</a:t>
             </a:fld>
             <a:endParaRPr lang="zh-CN" altLang="en-US"/>
           </a:p>
@@ -2366,6 +2377,10 @@
           <a:bodyPr/>
           <a:lstStyle/>
           <a:p>
+            <a:r>
+              <a:rPr lang="zh-CN" altLang="en-US" dirty="0"/>
+              <a:t>番茄炒蛋为例</a:t>
+            </a:r>
             <a:endParaRPr lang="en-US" altLang="zh-CN" dirty="0"/>
           </a:p>
         </p:txBody>
@@ -2387,6 +2402,7 @@
           <a:p>
             <a:fld id="{FE0819F3-8BDE-40E1-8C45-C3E4DA85606A}" type="slidenum">
               <a:rPr lang="zh-CN" altLang="en-US" smtClean="0"/>
+              <a:t>5</a:t>
             </a:fld>
             <a:endParaRPr lang="zh-CN" altLang="en-US"/>
           </a:p>
@@ -2465,6 +2481,7 @@
           <a:p>
             <a:fld id="{FE0819F3-8BDE-40E1-8C45-C3E4DA85606A}" type="slidenum">
               <a:rPr lang="zh-CN" altLang="en-US" smtClean="0"/>
+              <a:t>6</a:t>
             </a:fld>
             <a:endParaRPr lang="zh-CN" altLang="en-US"/>
           </a:p>
@@ -2522,6 +2539,230 @@
           <a:bodyPr/>
           <a:lstStyle/>
           <a:p>
+            <a:pPr algn="l"/>
+            <a:r>
+              <a:rPr lang="en-US" altLang="zh-CN" b="0" i="0" dirty="0">
+                <a:solidFill>
+                  <a:srgbClr val="333333"/>
+                </a:solidFill>
+                <a:effectLst/>
+                <a:latin typeface="Open Sans" panose="020B0606030504020204" pitchFamily="34" charset="0"/>
+              </a:rPr>
+              <a:t>1.</a:t>
+            </a:r>
+            <a:r>
+              <a:rPr lang="zh-CN" altLang="en-US" b="0" i="0" dirty="0">
+                <a:solidFill>
+                  <a:srgbClr val="333333"/>
+                </a:solidFill>
+                <a:effectLst/>
+                <a:latin typeface="Open Sans" panose="020B0606030504020204" pitchFamily="34" charset="0"/>
+              </a:rPr>
+              <a:t>依摩尔定律而设计：因为集成电路发展迅速，所以我们在设计初就应该考虑到项目结束时工艺等技术水平；</a:t>
+            </a:r>
+          </a:p>
+          <a:p>
+            <a:pPr algn="l"/>
+            <a:r>
+              <a:rPr lang="en-US" altLang="zh-CN" b="0" i="0" dirty="0">
+                <a:solidFill>
+                  <a:srgbClr val="333333"/>
+                </a:solidFill>
+                <a:effectLst/>
+                <a:latin typeface="Open Sans" panose="020B0606030504020204" pitchFamily="34" charset="0"/>
+              </a:rPr>
+              <a:t>2.</a:t>
+            </a:r>
+            <a:r>
+              <a:rPr lang="zh-CN" altLang="en-US" b="0" i="0" dirty="0">
+                <a:solidFill>
+                  <a:srgbClr val="333333"/>
+                </a:solidFill>
+                <a:effectLst/>
+                <a:latin typeface="Open Sans" panose="020B0606030504020204" pitchFamily="34" charset="0"/>
+              </a:rPr>
+              <a:t>抽象思想简化设计：设计中的细节会随着技术的发展而随时改变，使用抽象的方式去定性不同层次的设计有助于避免设计时间的延长；</a:t>
+            </a:r>
+          </a:p>
+          <a:p>
+            <a:pPr algn="l"/>
+            <a:r>
+              <a:rPr lang="en-US" altLang="zh-CN" b="0" i="0" dirty="0">
+                <a:solidFill>
+                  <a:srgbClr val="333333"/>
+                </a:solidFill>
+                <a:effectLst/>
+                <a:latin typeface="Open Sans" panose="020B0606030504020204" pitchFamily="34" charset="0"/>
+              </a:rPr>
+              <a:t>3.</a:t>
+            </a:r>
+            <a:r>
+              <a:rPr lang="zh-CN" altLang="en-US" b="0" i="0" dirty="0">
+                <a:solidFill>
+                  <a:srgbClr val="333333"/>
+                </a:solidFill>
+                <a:effectLst/>
+                <a:latin typeface="Open Sans" panose="020B0606030504020204" pitchFamily="34" charset="0"/>
+              </a:rPr>
+              <a:t>加速大概率事件：加速大概率事件有助于提高设计的性能，而且通常情况下大概率事件还更容易被设计和优化；</a:t>
+            </a:r>
+          </a:p>
+          <a:p>
+            <a:pPr algn="l"/>
+            <a:r>
+              <a:rPr lang="en-US" altLang="zh-CN" b="0" i="0" dirty="0">
+                <a:solidFill>
+                  <a:srgbClr val="333333"/>
+                </a:solidFill>
+                <a:effectLst/>
+                <a:latin typeface="Open Sans" panose="020B0606030504020204" pitchFamily="34" charset="0"/>
+              </a:rPr>
+              <a:t>4.</a:t>
+            </a:r>
+            <a:r>
+              <a:rPr lang="zh-CN" altLang="en-US" b="0" i="0" dirty="0">
+                <a:solidFill>
+                  <a:srgbClr val="333333"/>
+                </a:solidFill>
+                <a:effectLst/>
+                <a:latin typeface="Open Sans" panose="020B0606030504020204" pitchFamily="34" charset="0"/>
+              </a:rPr>
+              <a:t>并行提高性能：并行设计有助于提高性能；</a:t>
+            </a:r>
+          </a:p>
+          <a:p>
+            <a:pPr algn="l"/>
+            <a:r>
+              <a:rPr lang="en-US" altLang="zh-CN" b="0" i="0" dirty="0">
+                <a:solidFill>
+                  <a:srgbClr val="333333"/>
+                </a:solidFill>
+                <a:effectLst/>
+                <a:latin typeface="Open Sans" panose="020B0606030504020204" pitchFamily="34" charset="0"/>
+              </a:rPr>
+              <a:t>5.</a:t>
+            </a:r>
+            <a:r>
+              <a:rPr lang="zh-CN" altLang="en-US" b="0" i="0" dirty="0">
+                <a:solidFill>
+                  <a:srgbClr val="333333"/>
+                </a:solidFill>
+                <a:effectLst/>
+                <a:latin typeface="Open Sans" panose="020B0606030504020204" pitchFamily="34" charset="0"/>
+              </a:rPr>
+              <a:t>流水线提高性能：向一处火灾运水，所有人并排将水流水线式的传递过去肯定比一个人跑来跑去送的更快，当然这也需要有很多的人；</a:t>
+            </a:r>
+          </a:p>
+          <a:p>
+            <a:pPr algn="l"/>
+            <a:r>
+              <a:rPr lang="en-US" altLang="zh-CN" b="0" i="0" dirty="0">
+                <a:solidFill>
+                  <a:srgbClr val="333333"/>
+                </a:solidFill>
+                <a:effectLst/>
+                <a:latin typeface="Open Sans" panose="020B0606030504020204" pitchFamily="34" charset="0"/>
+              </a:rPr>
+              <a:t>6.</a:t>
+            </a:r>
+            <a:r>
+              <a:rPr lang="zh-CN" altLang="en-US" b="0" i="0" dirty="0">
+                <a:solidFill>
+                  <a:srgbClr val="333333"/>
+                </a:solidFill>
+                <a:effectLst/>
+                <a:latin typeface="Open Sans" panose="020B0606030504020204" pitchFamily="34" charset="0"/>
+              </a:rPr>
+              <a:t>预测法提高效率：通常情况下通过预测和假设直接开始工作比直到你确定了结果才开始更快；</a:t>
+            </a:r>
+          </a:p>
+          <a:p>
+            <a:pPr algn="l"/>
+            <a:r>
+              <a:rPr lang="en-US" altLang="zh-CN" b="0" i="0" dirty="0">
+                <a:solidFill>
+                  <a:srgbClr val="333333"/>
+                </a:solidFill>
+                <a:effectLst/>
+                <a:latin typeface="Open Sans" panose="020B0606030504020204" pitchFamily="34" charset="0"/>
+              </a:rPr>
+              <a:t>7.</a:t>
+            </a:r>
+            <a:r>
+              <a:rPr lang="zh-CN" altLang="en-US" b="0" i="0" dirty="0">
+                <a:solidFill>
+                  <a:srgbClr val="333333"/>
+                </a:solidFill>
+                <a:effectLst/>
+                <a:latin typeface="Open Sans" panose="020B0606030504020204" pitchFamily="34" charset="0"/>
+              </a:rPr>
+              <a:t>内存的按需分配：越快越贵的内存在使用中占少数，用在</a:t>
+            </a:r>
+            <a:r>
+              <a:rPr lang="en-US" altLang="zh-CN" b="0" i="0" dirty="0">
+                <a:solidFill>
+                  <a:srgbClr val="333333"/>
+                </a:solidFill>
+                <a:effectLst/>
+                <a:latin typeface="Open Sans" panose="020B0606030504020204" pitchFamily="34" charset="0"/>
+              </a:rPr>
+              <a:t>cache</a:t>
+            </a:r>
+            <a:r>
+              <a:rPr lang="zh-CN" altLang="en-US" b="0" i="0" dirty="0">
+                <a:solidFill>
+                  <a:srgbClr val="333333"/>
+                </a:solidFill>
+                <a:effectLst/>
+                <a:latin typeface="Open Sans" panose="020B0606030504020204" pitchFamily="34" charset="0"/>
+              </a:rPr>
+              <a:t>等这些数据流中间级的缓存，越慢越便宜的内存在使用中占多数，比如用来存储数据的</a:t>
+            </a:r>
+            <a:r>
+              <a:rPr lang="en-US" altLang="zh-CN" b="0" i="0" dirty="0">
+                <a:solidFill>
+                  <a:srgbClr val="333333"/>
+                </a:solidFill>
+                <a:effectLst/>
+                <a:latin typeface="Open Sans" panose="020B0606030504020204" pitchFamily="34" charset="0"/>
+              </a:rPr>
+              <a:t>flash</a:t>
+            </a:r>
+            <a:r>
+              <a:rPr lang="zh-CN" altLang="en-US" b="0" i="0" dirty="0">
+                <a:solidFill>
+                  <a:srgbClr val="333333"/>
+                </a:solidFill>
+                <a:effectLst/>
+                <a:latin typeface="Open Sans" panose="020B0606030504020204" pitchFamily="34" charset="0"/>
+              </a:rPr>
+              <a:t>等；</a:t>
+            </a:r>
+          </a:p>
+          <a:p>
+            <a:pPr algn="l"/>
+            <a:r>
+              <a:rPr lang="en-US" altLang="zh-CN" b="0" i="0" dirty="0">
+                <a:solidFill>
+                  <a:srgbClr val="333333"/>
+                </a:solidFill>
+                <a:effectLst/>
+                <a:latin typeface="Open Sans" panose="020B0606030504020204" pitchFamily="34" charset="0"/>
+              </a:rPr>
+              <a:t>8.</a:t>
+            </a:r>
+            <a:r>
+              <a:rPr lang="zh-CN" altLang="en-US" b="0" i="0" dirty="0">
+                <a:solidFill>
+                  <a:srgbClr val="333333"/>
+                </a:solidFill>
+                <a:effectLst/>
+                <a:latin typeface="Open Sans" panose="020B0606030504020204" pitchFamily="34" charset="0"/>
+              </a:rPr>
+              <a:t>冗余增加可靠性：设计不仅要快还要稳定可靠，通过增加冗余提高设计的可靠性；</a:t>
+            </a:r>
+          </a:p>
+          <a:p>
             <a:endParaRPr lang="en-US" altLang="zh-CN" dirty="0"/>
           </a:p>
         </p:txBody>
@@ -2543,6 +2784,7 @@
           <a:p>
             <a:fld id="{FE0819F3-8BDE-40E1-8C45-C3E4DA85606A}" type="slidenum">
               <a:rPr lang="zh-CN" altLang="en-US" smtClean="0"/>
+              <a:t>7</a:t>
             </a:fld>
             <a:endParaRPr lang="zh-CN" altLang="en-US"/>
           </a:p>
@@ -2621,6 +2863,7 @@
           <a:p>
             <a:fld id="{FE0819F3-8BDE-40E1-8C45-C3E4DA85606A}" type="slidenum">
               <a:rPr lang="zh-CN" altLang="en-US" smtClean="0"/>
+              <a:t>8</a:t>
             </a:fld>
             <a:endParaRPr lang="zh-CN" altLang="en-US"/>
           </a:p>
@@ -2703,6 +2946,7 @@
           <a:p>
             <a:fld id="{FE0819F3-8BDE-40E1-8C45-C3E4DA85606A}" type="slidenum">
               <a:rPr lang="zh-CN" altLang="en-US" smtClean="0"/>
+              <a:t>9</a:t>
             </a:fld>
             <a:endParaRPr lang="zh-CN" altLang="en-US"/>
           </a:p>
@@ -2757,7 +3001,6 @@
               <a:rPr lang="zh-CN" altLang="en-US"/>
               <a:t>单击此处编辑母版标题样式</a:t>
             </a:r>
-            <a:endParaRPr lang="zh-CN" altLang="en-US"/>
           </a:p>
         </p:txBody>
       </p:sp>
@@ -2876,7 +3119,6 @@
               <a:rPr lang="zh-CN" altLang="en-US"/>
               <a:t>单击此处编辑母版副标题样式</a:t>
             </a:r>
-            <a:endParaRPr lang="zh-CN" altLang="en-US"/>
           </a:p>
         </p:txBody>
       </p:sp>
@@ -2904,6 +3146,7 @@
             </a:pPr>
             <a:fld id="{0D3E3E21-A174-40EF-98E8-50372D927BF4}" type="datetimeFigureOut">
               <a:rPr lang="zh-CN" altLang="en-US"/>
+              <a:t>2021/5/12</a:t>
             </a:fld>
             <a:endParaRPr lang="zh-CN" altLang="en-US"/>
           </a:p>
@@ -2956,6 +3199,7 @@
           <a:p>
             <a:fld id="{10964C3C-4A88-44C3-94FB-5F9D44633782}" type="slidenum">
               <a:rPr lang="zh-CN" altLang="en-US"/>
+              <a:t>‹#›</a:t>
             </a:fld>
             <a:endParaRPr lang="zh-CN" altLang="en-US"/>
           </a:p>
@@ -3005,7 +3249,6 @@
               <a:rPr lang="zh-CN" altLang="en-US"/>
               <a:t>单击此处编辑母版标题样式</a:t>
             </a:r>
-            <a:endParaRPr lang="zh-CN" altLang="en-US"/>
           </a:p>
         </p:txBody>
       </p:sp>
@@ -3029,7 +3272,6 @@
               <a:rPr lang="zh-CN" altLang="en-US"/>
               <a:t>单击此处编辑母版文本样式</a:t>
             </a:r>
-            <a:endParaRPr lang="zh-CN" altLang="en-US"/>
           </a:p>
           <a:p>
             <a:pPr lvl="1"/>
@@ -3037,7 +3279,6 @@
               <a:rPr lang="zh-CN" altLang="en-US"/>
               <a:t>第二级</a:t>
             </a:r>
-            <a:endParaRPr lang="zh-CN" altLang="en-US"/>
           </a:p>
           <a:p>
             <a:pPr lvl="2"/>
@@ -3045,7 +3286,6 @@
               <a:rPr lang="zh-CN" altLang="en-US"/>
               <a:t>第三级</a:t>
             </a:r>
-            <a:endParaRPr lang="zh-CN" altLang="en-US"/>
           </a:p>
           <a:p>
             <a:pPr lvl="3"/>
@@ -3053,7 +3293,6 @@
               <a:rPr lang="zh-CN" altLang="en-US"/>
               <a:t>第四级</a:t>
             </a:r>
-            <a:endParaRPr lang="zh-CN" altLang="en-US"/>
           </a:p>
           <a:p>
             <a:pPr lvl="4"/>
@@ -3061,7 +3300,6 @@
               <a:rPr lang="zh-CN" altLang="en-US"/>
               <a:t>第五级</a:t>
             </a:r>
-            <a:endParaRPr lang="zh-CN" altLang="en-US"/>
           </a:p>
         </p:txBody>
       </p:sp>
@@ -3089,6 +3327,7 @@
             </a:pPr>
             <a:fld id="{E6B5647A-F5CB-4164-9FDC-F9CEA315C741}" type="datetimeFigureOut">
               <a:rPr lang="zh-CN" altLang="en-US"/>
+              <a:t>2021/5/12</a:t>
             </a:fld>
             <a:endParaRPr lang="zh-CN" altLang="en-US"/>
           </a:p>
@@ -3141,6 +3380,7 @@
           <a:p>
             <a:fld id="{B7AB980A-BE54-4679-953C-D0DBD3F98DFB}" type="slidenum">
               <a:rPr lang="zh-CN" altLang="en-US"/>
+              <a:t>‹#›</a:t>
             </a:fld>
             <a:endParaRPr lang="zh-CN" altLang="en-US"/>
           </a:p>
@@ -3195,7 +3435,6 @@
               <a:rPr lang="zh-CN" altLang="en-US"/>
               <a:t>单击此处编辑母版标题样式</a:t>
             </a:r>
-            <a:endParaRPr lang="zh-CN" altLang="en-US"/>
           </a:p>
         </p:txBody>
       </p:sp>
@@ -3224,7 +3463,6 @@
               <a:rPr lang="zh-CN" altLang="en-US"/>
               <a:t>单击此处编辑母版文本样式</a:t>
             </a:r>
-            <a:endParaRPr lang="zh-CN" altLang="en-US"/>
           </a:p>
           <a:p>
             <a:pPr lvl="1"/>
@@ -3232,7 +3470,6 @@
               <a:rPr lang="zh-CN" altLang="en-US"/>
               <a:t>第二级</a:t>
             </a:r>
-            <a:endParaRPr lang="zh-CN" altLang="en-US"/>
           </a:p>
           <a:p>
             <a:pPr lvl="2"/>
@@ -3240,7 +3477,6 @@
               <a:rPr lang="zh-CN" altLang="en-US"/>
               <a:t>第三级</a:t>
             </a:r>
-            <a:endParaRPr lang="zh-CN" altLang="en-US"/>
           </a:p>
           <a:p>
             <a:pPr lvl="3"/>
@@ -3248,7 +3484,6 @@
               <a:rPr lang="zh-CN" altLang="en-US"/>
               <a:t>第四级</a:t>
             </a:r>
-            <a:endParaRPr lang="zh-CN" altLang="en-US"/>
           </a:p>
           <a:p>
             <a:pPr lvl="4"/>
@@ -3256,7 +3491,6 @@
               <a:rPr lang="zh-CN" altLang="en-US"/>
               <a:t>第五级</a:t>
             </a:r>
-            <a:endParaRPr lang="zh-CN" altLang="en-US"/>
           </a:p>
         </p:txBody>
       </p:sp>
@@ -3284,6 +3518,7 @@
             </a:pPr>
             <a:fld id="{2D9CC6C2-1036-4256-A604-0EC4896B2311}" type="datetimeFigureOut">
               <a:rPr lang="zh-CN" altLang="en-US"/>
+              <a:t>2021/5/12</a:t>
             </a:fld>
             <a:endParaRPr lang="zh-CN" altLang="en-US"/>
           </a:p>
@@ -3336,6 +3571,7 @@
           <a:p>
             <a:fld id="{796FB34F-1463-4E8C-AECD-092054CD105E}" type="slidenum">
               <a:rPr lang="zh-CN" altLang="en-US"/>
+              <a:t>‹#›</a:t>
             </a:fld>
             <a:endParaRPr lang="zh-CN" altLang="en-US"/>
           </a:p>
@@ -3390,7 +3626,6 @@
               <a:rPr lang="zh-CN" altLang="en-US"/>
               <a:t>单击此处编辑母版标题样式</a:t>
             </a:r>
-            <a:endParaRPr lang="zh-CN" altLang="en-US"/>
           </a:p>
         </p:txBody>
       </p:sp>
@@ -3419,7 +3654,6 @@
               <a:rPr lang="zh-CN" altLang="en-US"/>
               <a:t>单击此处编辑母版文本样式</a:t>
             </a:r>
-            <a:endParaRPr lang="zh-CN" altLang="en-US"/>
           </a:p>
           <a:p>
             <a:pPr lvl="1"/>
@@ -3427,7 +3661,6 @@
               <a:rPr lang="zh-CN" altLang="en-US"/>
               <a:t>第二级</a:t>
             </a:r>
-            <a:endParaRPr lang="zh-CN" altLang="en-US"/>
           </a:p>
           <a:p>
             <a:pPr lvl="2"/>
@@ -3435,7 +3668,6 @@
               <a:rPr lang="zh-CN" altLang="en-US"/>
               <a:t>第三级</a:t>
             </a:r>
-            <a:endParaRPr lang="zh-CN" altLang="en-US"/>
           </a:p>
           <a:p>
             <a:pPr lvl="3"/>
@@ -3443,7 +3675,6 @@
               <a:rPr lang="zh-CN" altLang="en-US"/>
               <a:t>第四级</a:t>
             </a:r>
-            <a:endParaRPr lang="zh-CN" altLang="en-US"/>
           </a:p>
           <a:p>
             <a:pPr lvl="4"/>
@@ -3451,7 +3682,6 @@
               <a:rPr lang="zh-CN" altLang="en-US"/>
               <a:t>第五级</a:t>
             </a:r>
-            <a:endParaRPr lang="zh-CN" altLang="en-US"/>
           </a:p>
         </p:txBody>
       </p:sp>
@@ -3480,7 +3710,6 @@
               <a:rPr lang="zh-CN" altLang="en-US"/>
               <a:t>单击此处编辑母版文本样式</a:t>
             </a:r>
-            <a:endParaRPr lang="zh-CN" altLang="en-US"/>
           </a:p>
           <a:p>
             <a:pPr lvl="1"/>
@@ -3488,7 +3717,6 @@
               <a:rPr lang="zh-CN" altLang="en-US"/>
               <a:t>第二级</a:t>
             </a:r>
-            <a:endParaRPr lang="zh-CN" altLang="en-US"/>
           </a:p>
           <a:p>
             <a:pPr lvl="2"/>
@@ -3496,7 +3724,6 @@
               <a:rPr lang="zh-CN" altLang="en-US"/>
               <a:t>第三级</a:t>
             </a:r>
-            <a:endParaRPr lang="zh-CN" altLang="en-US"/>
           </a:p>
           <a:p>
             <a:pPr lvl="3"/>
@@ -3504,7 +3731,6 @@
               <a:rPr lang="zh-CN" altLang="en-US"/>
               <a:t>第四级</a:t>
             </a:r>
-            <a:endParaRPr lang="zh-CN" altLang="en-US"/>
           </a:p>
           <a:p>
             <a:pPr lvl="4"/>
@@ -3512,7 +3738,6 @@
               <a:rPr lang="zh-CN" altLang="en-US"/>
               <a:t>第五级</a:t>
             </a:r>
-            <a:endParaRPr lang="zh-CN" altLang="en-US"/>
           </a:p>
         </p:txBody>
       </p:sp>
@@ -3541,7 +3766,6 @@
               <a:rPr lang="zh-CN" altLang="en-US"/>
               <a:t>单击此处编辑母版文本样式</a:t>
             </a:r>
-            <a:endParaRPr lang="zh-CN" altLang="en-US"/>
           </a:p>
           <a:p>
             <a:pPr lvl="1"/>
@@ -3549,7 +3773,6 @@
               <a:rPr lang="zh-CN" altLang="en-US"/>
               <a:t>第二级</a:t>
             </a:r>
-            <a:endParaRPr lang="zh-CN" altLang="en-US"/>
           </a:p>
           <a:p>
             <a:pPr lvl="2"/>
@@ -3557,7 +3780,6 @@
               <a:rPr lang="zh-CN" altLang="en-US"/>
               <a:t>第三级</a:t>
             </a:r>
-            <a:endParaRPr lang="zh-CN" altLang="en-US"/>
           </a:p>
           <a:p>
             <a:pPr lvl="3"/>
@@ -3565,7 +3787,6 @@
               <a:rPr lang="zh-CN" altLang="en-US"/>
               <a:t>第四级</a:t>
             </a:r>
-            <a:endParaRPr lang="zh-CN" altLang="en-US"/>
           </a:p>
           <a:p>
             <a:pPr lvl="4"/>
@@ -3573,7 +3794,6 @@
               <a:rPr lang="zh-CN" altLang="en-US"/>
               <a:t>第五级</a:t>
             </a:r>
-            <a:endParaRPr lang="zh-CN" altLang="en-US"/>
           </a:p>
         </p:txBody>
       </p:sp>
@@ -3601,6 +3821,7 @@
             </a:pPr>
             <a:fld id="{674B5EF8-617B-4856-86DA-2D4C4DDA0FE0}" type="datetimeFigureOut">
               <a:rPr lang="zh-CN" altLang="en-US"/>
+              <a:t>2021/5/12</a:t>
             </a:fld>
             <a:endParaRPr lang="zh-CN" altLang="en-US"/>
           </a:p>
@@ -3653,6 +3874,7 @@
           <a:p>
             <a:fld id="{54D5E0A2-B870-4D53-9BF9-8666E6C43D6A}" type="slidenum">
               <a:rPr lang="zh-CN" altLang="en-US"/>
+              <a:t>‹#›</a:t>
             </a:fld>
             <a:endParaRPr lang="zh-CN" altLang="en-US"/>
           </a:p>
@@ -3707,7 +3929,6 @@
               <a:rPr lang="zh-CN" altLang="en-US"/>
               <a:t>单击此处编辑母版标题样式</a:t>
             </a:r>
-            <a:endParaRPr lang="zh-CN" altLang="en-US"/>
           </a:p>
         </p:txBody>
       </p:sp>
@@ -3736,7 +3957,6 @@
               <a:rPr lang="zh-CN" altLang="en-US"/>
               <a:t>单击此处编辑母版文本样式</a:t>
             </a:r>
-            <a:endParaRPr lang="zh-CN" altLang="en-US"/>
           </a:p>
           <a:p>
             <a:pPr lvl="1"/>
@@ -3744,7 +3964,6 @@
               <a:rPr lang="zh-CN" altLang="en-US"/>
               <a:t>第二级</a:t>
             </a:r>
-            <a:endParaRPr lang="zh-CN" altLang="en-US"/>
           </a:p>
           <a:p>
             <a:pPr lvl="2"/>
@@ -3752,7 +3971,6 @@
               <a:rPr lang="zh-CN" altLang="en-US"/>
               <a:t>第三级</a:t>
             </a:r>
-            <a:endParaRPr lang="zh-CN" altLang="en-US"/>
           </a:p>
           <a:p>
             <a:pPr lvl="3"/>
@@ -3760,7 +3978,6 @@
               <a:rPr lang="zh-CN" altLang="en-US"/>
               <a:t>第四级</a:t>
             </a:r>
-            <a:endParaRPr lang="zh-CN" altLang="en-US"/>
           </a:p>
           <a:p>
             <a:pPr lvl="4"/>
@@ -3768,7 +3985,6 @@
               <a:rPr lang="zh-CN" altLang="en-US"/>
               <a:t>第五级</a:t>
             </a:r>
-            <a:endParaRPr lang="zh-CN" altLang="en-US"/>
           </a:p>
         </p:txBody>
       </p:sp>
@@ -3797,7 +4013,6 @@
               <a:rPr lang="zh-CN" altLang="en-US"/>
               <a:t>单击此处编辑母版文本样式</a:t>
             </a:r>
-            <a:endParaRPr lang="zh-CN" altLang="en-US"/>
           </a:p>
           <a:p>
             <a:pPr lvl="1"/>
@@ -3805,7 +4020,6 @@
               <a:rPr lang="zh-CN" altLang="en-US"/>
               <a:t>第二级</a:t>
             </a:r>
-            <a:endParaRPr lang="zh-CN" altLang="en-US"/>
           </a:p>
           <a:p>
             <a:pPr lvl="2"/>
@@ -3813,7 +4027,6 @@
               <a:rPr lang="zh-CN" altLang="en-US"/>
               <a:t>第三级</a:t>
             </a:r>
-            <a:endParaRPr lang="zh-CN" altLang="en-US"/>
           </a:p>
           <a:p>
             <a:pPr lvl="3"/>
@@ -3821,7 +4034,6 @@
               <a:rPr lang="zh-CN" altLang="en-US"/>
               <a:t>第四级</a:t>
             </a:r>
-            <a:endParaRPr lang="zh-CN" altLang="en-US"/>
           </a:p>
           <a:p>
             <a:pPr lvl="4"/>
@@ -3829,7 +4041,6 @@
               <a:rPr lang="zh-CN" altLang="en-US"/>
               <a:t>第五级</a:t>
             </a:r>
-            <a:endParaRPr lang="zh-CN" altLang="en-US"/>
           </a:p>
         </p:txBody>
       </p:sp>
@@ -3857,6 +4068,7 @@
             </a:pPr>
             <a:fld id="{BC7E6162-6DAB-4175-A1B0-E4A0D591F336}" type="datetimeFigureOut">
               <a:rPr lang="zh-CN" altLang="en-US"/>
+              <a:t>2021/5/12</a:t>
             </a:fld>
             <a:endParaRPr lang="zh-CN" altLang="en-US"/>
           </a:p>
@@ -3909,6 +4121,7 @@
           <a:p>
             <a:fld id="{53C20528-46D4-4996-91BA-5A93BBA8F5B2}" type="slidenum">
               <a:rPr lang="zh-CN" altLang="en-US"/>
+              <a:t>‹#›</a:t>
             </a:fld>
             <a:endParaRPr lang="zh-CN" altLang="en-US"/>
           </a:p>
@@ -3958,7 +4171,6 @@
               <a:rPr lang="zh-CN" altLang="en-US"/>
               <a:t>单击此处编辑母版标题样式</a:t>
             </a:r>
-            <a:endParaRPr lang="zh-CN" altLang="en-US"/>
           </a:p>
         </p:txBody>
       </p:sp>
@@ -3982,7 +4194,6 @@
               <a:rPr lang="zh-CN" altLang="en-US"/>
               <a:t>单击此处编辑母版文本样式</a:t>
             </a:r>
-            <a:endParaRPr lang="zh-CN" altLang="en-US"/>
           </a:p>
           <a:p>
             <a:pPr lvl="1"/>
@@ -3990,7 +4201,6 @@
               <a:rPr lang="zh-CN" altLang="en-US"/>
               <a:t>第二级</a:t>
             </a:r>
-            <a:endParaRPr lang="zh-CN" altLang="en-US"/>
           </a:p>
           <a:p>
             <a:pPr lvl="2"/>
@@ -3998,7 +4208,6 @@
               <a:rPr lang="zh-CN" altLang="en-US"/>
               <a:t>第三级</a:t>
             </a:r>
-            <a:endParaRPr lang="zh-CN" altLang="en-US"/>
           </a:p>
           <a:p>
             <a:pPr lvl="3"/>
@@ -4006,7 +4215,6 @@
               <a:rPr lang="zh-CN" altLang="en-US"/>
               <a:t>第四级</a:t>
             </a:r>
-            <a:endParaRPr lang="zh-CN" altLang="en-US"/>
           </a:p>
           <a:p>
             <a:pPr lvl="4"/>
@@ -4014,7 +4222,6 @@
               <a:rPr lang="zh-CN" altLang="en-US"/>
               <a:t>第五级</a:t>
             </a:r>
-            <a:endParaRPr lang="zh-CN" altLang="en-US"/>
           </a:p>
         </p:txBody>
       </p:sp>
@@ -4042,6 +4249,7 @@
             </a:pPr>
             <a:fld id="{37CADD76-2D47-4B20-ABC9-B6FA1F829A3F}" type="datetimeFigureOut">
               <a:rPr lang="zh-CN" altLang="en-US"/>
+              <a:t>2021/5/12</a:t>
             </a:fld>
             <a:endParaRPr lang="zh-CN" altLang="en-US"/>
           </a:p>
@@ -4094,6 +4302,7 @@
           <a:p>
             <a:fld id="{5FFF7686-59D8-4BA6-8665-D2FF30296FBC}" type="slidenum">
               <a:rPr lang="zh-CN" altLang="en-US"/>
+              <a:t>‹#›</a:t>
             </a:fld>
             <a:endParaRPr lang="zh-CN" altLang="en-US"/>
           </a:p>
@@ -4152,7 +4361,6 @@
               <a:rPr lang="zh-CN" altLang="en-US"/>
               <a:t>单击此处编辑母版标题样式</a:t>
             </a:r>
-            <a:endParaRPr lang="zh-CN" altLang="en-US"/>
           </a:p>
         </p:txBody>
       </p:sp>
@@ -4272,7 +4480,6 @@
               <a:rPr lang="zh-CN" altLang="en-US"/>
               <a:t>单击此处编辑母版文本样式</a:t>
             </a:r>
-            <a:endParaRPr lang="zh-CN" altLang="en-US"/>
           </a:p>
         </p:txBody>
       </p:sp>
@@ -4300,6 +4507,7 @@
             </a:pPr>
             <a:fld id="{D77DE50C-01CB-4C58-88B1-9EB6BA4B5A1D}" type="datetimeFigureOut">
               <a:rPr lang="zh-CN" altLang="en-US"/>
+              <a:t>2021/5/12</a:t>
             </a:fld>
             <a:endParaRPr lang="zh-CN" altLang="en-US"/>
           </a:p>
@@ -4352,6 +4560,7 @@
           <a:p>
             <a:fld id="{908D17E7-4E37-4B46-BFAF-698C6EAD98DD}" type="slidenum">
               <a:rPr lang="zh-CN" altLang="en-US"/>
+              <a:t>‹#›</a:t>
             </a:fld>
             <a:endParaRPr lang="zh-CN" altLang="en-US"/>
           </a:p>
@@ -4401,7 +4610,6 @@
               <a:rPr lang="zh-CN" altLang="en-US"/>
               <a:t>单击此处编辑母版标题样式</a:t>
             </a:r>
-            <a:endParaRPr lang="zh-CN" altLang="en-US"/>
           </a:p>
         </p:txBody>
       </p:sp>
@@ -4458,7 +4666,6 @@
               <a:rPr lang="zh-CN" altLang="en-US"/>
               <a:t>单击此处编辑母版文本样式</a:t>
             </a:r>
-            <a:endParaRPr lang="zh-CN" altLang="en-US"/>
           </a:p>
           <a:p>
             <a:pPr lvl="1"/>
@@ -4466,7 +4673,6 @@
               <a:rPr lang="zh-CN" altLang="en-US"/>
               <a:t>第二级</a:t>
             </a:r>
-            <a:endParaRPr lang="zh-CN" altLang="en-US"/>
           </a:p>
           <a:p>
             <a:pPr lvl="2"/>
@@ -4474,7 +4680,6 @@
               <a:rPr lang="zh-CN" altLang="en-US"/>
               <a:t>第三级</a:t>
             </a:r>
-            <a:endParaRPr lang="zh-CN" altLang="en-US"/>
           </a:p>
           <a:p>
             <a:pPr lvl="3"/>
@@ -4482,7 +4687,6 @@
               <a:rPr lang="zh-CN" altLang="en-US"/>
               <a:t>第四级</a:t>
             </a:r>
-            <a:endParaRPr lang="zh-CN" altLang="en-US"/>
           </a:p>
           <a:p>
             <a:pPr lvl="4"/>
@@ -4490,7 +4694,6 @@
               <a:rPr lang="zh-CN" altLang="en-US"/>
               <a:t>第五级</a:t>
             </a:r>
-            <a:endParaRPr lang="zh-CN" altLang="en-US"/>
           </a:p>
         </p:txBody>
       </p:sp>
@@ -4547,7 +4750,6 @@
               <a:rPr lang="zh-CN" altLang="en-US"/>
               <a:t>单击此处编辑母版文本样式</a:t>
             </a:r>
-            <a:endParaRPr lang="zh-CN" altLang="en-US"/>
           </a:p>
           <a:p>
             <a:pPr lvl="1"/>
@@ -4555,7 +4757,6 @@
               <a:rPr lang="zh-CN" altLang="en-US"/>
               <a:t>第二级</a:t>
             </a:r>
-            <a:endParaRPr lang="zh-CN" altLang="en-US"/>
           </a:p>
           <a:p>
             <a:pPr lvl="2"/>
@@ -4563,7 +4764,6 @@
               <a:rPr lang="zh-CN" altLang="en-US"/>
               <a:t>第三级</a:t>
             </a:r>
-            <a:endParaRPr lang="zh-CN" altLang="en-US"/>
           </a:p>
           <a:p>
             <a:pPr lvl="3"/>
@@ -4571,7 +4771,6 @@
               <a:rPr lang="zh-CN" altLang="en-US"/>
               <a:t>第四级</a:t>
             </a:r>
-            <a:endParaRPr lang="zh-CN" altLang="en-US"/>
           </a:p>
           <a:p>
             <a:pPr lvl="4"/>
@@ -4579,7 +4778,6 @@
               <a:rPr lang="zh-CN" altLang="en-US"/>
               <a:t>第五级</a:t>
             </a:r>
-            <a:endParaRPr lang="zh-CN" altLang="en-US"/>
           </a:p>
         </p:txBody>
       </p:sp>
@@ -4607,6 +4805,7 @@
             </a:pPr>
             <a:fld id="{629F6467-DFF8-4ACD-9263-F5A9A11CC5A2}" type="datetimeFigureOut">
               <a:rPr lang="zh-CN" altLang="en-US"/>
+              <a:t>2021/5/12</a:t>
             </a:fld>
             <a:endParaRPr lang="zh-CN" altLang="en-US"/>
           </a:p>
@@ -4659,6 +4858,7 @@
           <a:p>
             <a:fld id="{09BE2462-DEAA-4EDF-874C-BB7F03D3166D}" type="slidenum">
               <a:rPr lang="zh-CN" altLang="en-US"/>
+              <a:t>‹#›</a:t>
             </a:fld>
             <a:endParaRPr lang="zh-CN" altLang="en-US"/>
           </a:p>
@@ -4712,7 +4912,6 @@
               <a:rPr lang="zh-CN" altLang="en-US"/>
               <a:t>单击此处编辑母版标题样式</a:t>
             </a:r>
-            <a:endParaRPr lang="zh-CN" altLang="en-US"/>
           </a:p>
         </p:txBody>
       </p:sp>
@@ -4778,7 +4977,6 @@
               <a:rPr lang="zh-CN" altLang="en-US"/>
               <a:t>单击此处编辑母版文本样式</a:t>
             </a:r>
-            <a:endParaRPr lang="zh-CN" altLang="en-US"/>
           </a:p>
         </p:txBody>
       </p:sp>
@@ -4835,7 +5033,6 @@
               <a:rPr lang="zh-CN" altLang="en-US"/>
               <a:t>单击此处编辑母版文本样式</a:t>
             </a:r>
-            <a:endParaRPr lang="zh-CN" altLang="en-US"/>
           </a:p>
           <a:p>
             <a:pPr lvl="1"/>
@@ -4843,7 +5040,6 @@
               <a:rPr lang="zh-CN" altLang="en-US"/>
               <a:t>第二级</a:t>
             </a:r>
-            <a:endParaRPr lang="zh-CN" altLang="en-US"/>
           </a:p>
           <a:p>
             <a:pPr lvl="2"/>
@@ -4851,7 +5047,6 @@
               <a:rPr lang="zh-CN" altLang="en-US"/>
               <a:t>第三级</a:t>
             </a:r>
-            <a:endParaRPr lang="zh-CN" altLang="en-US"/>
           </a:p>
           <a:p>
             <a:pPr lvl="3"/>
@@ -4859,7 +5054,6 @@
               <a:rPr lang="zh-CN" altLang="en-US"/>
               <a:t>第四级</a:t>
             </a:r>
-            <a:endParaRPr lang="zh-CN" altLang="en-US"/>
           </a:p>
           <a:p>
             <a:pPr lvl="4"/>
@@ -4867,7 +5061,6 @@
               <a:rPr lang="zh-CN" altLang="en-US"/>
               <a:t>第五级</a:t>
             </a:r>
-            <a:endParaRPr lang="zh-CN" altLang="en-US"/>
           </a:p>
         </p:txBody>
       </p:sp>
@@ -4933,7 +5126,6 @@
               <a:rPr lang="zh-CN" altLang="en-US"/>
               <a:t>单击此处编辑母版文本样式</a:t>
             </a:r>
-            <a:endParaRPr lang="zh-CN" altLang="en-US"/>
           </a:p>
         </p:txBody>
       </p:sp>
@@ -4990,7 +5182,6 @@
               <a:rPr lang="zh-CN" altLang="en-US"/>
               <a:t>单击此处编辑母版文本样式</a:t>
             </a:r>
-            <a:endParaRPr lang="zh-CN" altLang="en-US"/>
           </a:p>
           <a:p>
             <a:pPr lvl="1"/>
@@ -4998,7 +5189,6 @@
               <a:rPr lang="zh-CN" altLang="en-US"/>
               <a:t>第二级</a:t>
             </a:r>
-            <a:endParaRPr lang="zh-CN" altLang="en-US"/>
           </a:p>
           <a:p>
             <a:pPr lvl="2"/>
@@ -5006,7 +5196,6 @@
               <a:rPr lang="zh-CN" altLang="en-US"/>
               <a:t>第三级</a:t>
             </a:r>
-            <a:endParaRPr lang="zh-CN" altLang="en-US"/>
           </a:p>
           <a:p>
             <a:pPr lvl="3"/>
@@ -5014,7 +5203,6 @@
               <a:rPr lang="zh-CN" altLang="en-US"/>
               <a:t>第四级</a:t>
             </a:r>
-            <a:endParaRPr lang="zh-CN" altLang="en-US"/>
           </a:p>
           <a:p>
             <a:pPr lvl="4"/>
@@ -5022,7 +5210,6 @@
               <a:rPr lang="zh-CN" altLang="en-US"/>
               <a:t>第五级</a:t>
             </a:r>
-            <a:endParaRPr lang="zh-CN" altLang="en-US"/>
           </a:p>
         </p:txBody>
       </p:sp>
@@ -5050,6 +5237,7 @@
             </a:pPr>
             <a:fld id="{E341FB07-5487-4F2E-81BC-E441ADB884FB}" type="datetimeFigureOut">
               <a:rPr lang="zh-CN" altLang="en-US"/>
+              <a:t>2021/5/12</a:t>
             </a:fld>
             <a:endParaRPr lang="zh-CN" altLang="en-US"/>
           </a:p>
@@ -5102,6 +5290,7 @@
           <a:p>
             <a:fld id="{DF2746FC-E6F5-4757-954B-27C7CC87D097}" type="slidenum">
               <a:rPr lang="zh-CN" altLang="en-US"/>
+              <a:t>‹#›</a:t>
             </a:fld>
             <a:endParaRPr lang="zh-CN" altLang="en-US"/>
           </a:p>
@@ -5151,7 +5340,6 @@
               <a:rPr lang="zh-CN" altLang="en-US"/>
               <a:t>单击此处编辑母版标题样式</a:t>
             </a:r>
-            <a:endParaRPr lang="zh-CN" altLang="en-US"/>
           </a:p>
         </p:txBody>
       </p:sp>
@@ -5179,6 +5367,7 @@
             </a:pPr>
             <a:fld id="{63369402-BAD8-4673-B5CA-D4B5918467C2}" type="datetimeFigureOut">
               <a:rPr lang="zh-CN" altLang="en-US"/>
+              <a:t>2021/5/12</a:t>
             </a:fld>
             <a:endParaRPr lang="zh-CN" altLang="en-US"/>
           </a:p>
@@ -5231,6 +5420,7 @@
           <a:p>
             <a:fld id="{077E0F7A-09F6-4E78-B73E-8350D6F05C66}" type="slidenum">
               <a:rPr lang="zh-CN" altLang="en-US"/>
+              <a:t>‹#›</a:t>
             </a:fld>
             <a:endParaRPr lang="zh-CN" altLang="en-US"/>
           </a:p>
@@ -5285,6 +5475,7 @@
             </a:pPr>
             <a:fld id="{26E3F7D9-A9B3-4DF1-9F03-0BDD09FA881E}" type="datetimeFigureOut">
               <a:rPr lang="zh-CN" altLang="en-US"/>
+              <a:t>2021/5/12</a:t>
             </a:fld>
             <a:endParaRPr lang="zh-CN" altLang="en-US"/>
           </a:p>
@@ -5337,6 +5528,7 @@
           <a:p>
             <a:fld id="{83871910-EEB8-4997-9E56-6973A363872E}" type="slidenum">
               <a:rPr lang="zh-CN" altLang="en-US"/>
+              <a:t>‹#›</a:t>
             </a:fld>
             <a:endParaRPr lang="zh-CN" altLang="en-US"/>
           </a:p>
@@ -5395,7 +5587,6 @@
               <a:rPr lang="zh-CN" altLang="en-US"/>
               <a:t>单击此处编辑母版标题样式</a:t>
             </a:r>
-            <a:endParaRPr lang="zh-CN" altLang="en-US"/>
           </a:p>
         </p:txBody>
       </p:sp>
@@ -5452,7 +5643,6 @@
               <a:rPr lang="zh-CN" altLang="en-US"/>
               <a:t>单击此处编辑母版文本样式</a:t>
             </a:r>
-            <a:endParaRPr lang="zh-CN" altLang="en-US"/>
           </a:p>
           <a:p>
             <a:pPr lvl="1"/>
@@ -5460,7 +5650,6 @@
               <a:rPr lang="zh-CN" altLang="en-US"/>
               <a:t>第二级</a:t>
             </a:r>
-            <a:endParaRPr lang="zh-CN" altLang="en-US"/>
           </a:p>
           <a:p>
             <a:pPr lvl="2"/>
@@ -5468,7 +5657,6 @@
               <a:rPr lang="zh-CN" altLang="en-US"/>
               <a:t>第三级</a:t>
             </a:r>
-            <a:endParaRPr lang="zh-CN" altLang="en-US"/>
           </a:p>
           <a:p>
             <a:pPr lvl="3"/>
@@ -5476,7 +5664,6 @@
               <a:rPr lang="zh-CN" altLang="en-US"/>
               <a:t>第四级</a:t>
             </a:r>
-            <a:endParaRPr lang="zh-CN" altLang="en-US"/>
           </a:p>
           <a:p>
             <a:pPr lvl="4"/>
@@ -5484,7 +5671,6 @@
               <a:rPr lang="zh-CN" altLang="en-US"/>
               <a:t>第五级</a:t>
             </a:r>
-            <a:endParaRPr lang="zh-CN" altLang="en-US"/>
           </a:p>
         </p:txBody>
       </p:sp>
@@ -5550,7 +5736,6 @@
               <a:rPr lang="zh-CN" altLang="en-US"/>
               <a:t>单击此处编辑母版文本样式</a:t>
             </a:r>
-            <a:endParaRPr lang="zh-CN" altLang="en-US"/>
           </a:p>
         </p:txBody>
       </p:sp>
@@ -5578,6 +5763,7 @@
             </a:pPr>
             <a:fld id="{4523E741-73C8-4052-9C0A-B2DA8B0261B5}" type="datetimeFigureOut">
               <a:rPr lang="zh-CN" altLang="en-US"/>
+              <a:t>2021/5/12</a:t>
             </a:fld>
             <a:endParaRPr lang="zh-CN" altLang="en-US"/>
           </a:p>
@@ -5630,6 +5816,7 @@
           <a:p>
             <a:fld id="{68154F8E-0457-437D-A5C2-3D58819BEDE8}" type="slidenum">
               <a:rPr lang="zh-CN" altLang="en-US"/>
+              <a:t>‹#›</a:t>
             </a:fld>
             <a:endParaRPr lang="zh-CN" altLang="en-US"/>
           </a:p>
@@ -5688,7 +5875,6 @@
               <a:rPr lang="zh-CN" altLang="en-US"/>
               <a:t>单击此处编辑母版标题样式</a:t>
             </a:r>
-            <a:endParaRPr lang="zh-CN" altLang="en-US"/>
           </a:p>
         </p:txBody>
       </p:sp>
@@ -5818,7 +6004,6 @@
               <a:rPr lang="zh-CN" altLang="en-US"/>
               <a:t>单击此处编辑母版文本样式</a:t>
             </a:r>
-            <a:endParaRPr lang="zh-CN" altLang="en-US"/>
           </a:p>
         </p:txBody>
       </p:sp>
@@ -5846,6 +6031,7 @@
             </a:pPr>
             <a:fld id="{2CA4540D-3002-403A-90BF-B65CCDBFA243}" type="datetimeFigureOut">
               <a:rPr lang="zh-CN" altLang="en-US"/>
+              <a:t>2021/5/12</a:t>
             </a:fld>
             <a:endParaRPr lang="zh-CN" altLang="en-US"/>
           </a:p>
@@ -5898,6 +6084,7 @@
           <a:p>
             <a:fld id="{C464581E-D884-498B-A3BC-C114648E5012}" type="slidenum">
               <a:rPr lang="zh-CN" altLang="en-US"/>
+              <a:t>‹#›</a:t>
             </a:fld>
             <a:endParaRPr lang="zh-CN" altLang="en-US"/>
           </a:p>
@@ -5987,7 +6174,6 @@
               <a:rPr lang="zh-CN" altLang="en-US"/>
               <a:t>单击此处编辑母版标题样式</a:t>
             </a:r>
-            <a:endParaRPr lang="zh-CN" altLang="en-US"/>
           </a:p>
         </p:txBody>
       </p:sp>
@@ -6042,7 +6228,6 @@
               <a:rPr lang="zh-CN" altLang="en-US"/>
               <a:t>单击此处编辑母版文本样式</a:t>
             </a:r>
-            <a:endParaRPr lang="zh-CN" altLang="en-US"/>
           </a:p>
           <a:p>
             <a:pPr lvl="1"/>
@@ -6050,7 +6235,6 @@
               <a:rPr lang="zh-CN" altLang="en-US"/>
               <a:t>第二级</a:t>
             </a:r>
-            <a:endParaRPr lang="zh-CN" altLang="en-US"/>
           </a:p>
           <a:p>
             <a:pPr lvl="2"/>
@@ -6058,7 +6242,6 @@
               <a:rPr lang="zh-CN" altLang="en-US"/>
               <a:t>第三级</a:t>
             </a:r>
-            <a:endParaRPr lang="zh-CN" altLang="en-US"/>
           </a:p>
           <a:p>
             <a:pPr lvl="3"/>
@@ -6066,7 +6249,6 @@
               <a:rPr lang="zh-CN" altLang="en-US"/>
               <a:t>第四级</a:t>
             </a:r>
-            <a:endParaRPr lang="zh-CN" altLang="en-US"/>
           </a:p>
           <a:p>
             <a:pPr lvl="4"/>
@@ -6074,7 +6256,6 @@
               <a:rPr lang="zh-CN" altLang="en-US"/>
               <a:t>第五级</a:t>
             </a:r>
-            <a:endParaRPr lang="zh-CN" altLang="en-US"/>
           </a:p>
         </p:txBody>
       </p:sp>
@@ -6124,6 +6305,7 @@
             </a:pPr>
             <a:fld id="{31AF0F9A-8B8F-4C85-A5BB-6D41288711F1}" type="datetimeFigureOut">
               <a:rPr lang="zh-CN" altLang="en-US"/>
+              <a:t>2021/5/12</a:t>
             </a:fld>
             <a:endParaRPr lang="zh-CN" altLang="en-US"/>
           </a:p>
@@ -6210,6 +6392,7 @@
           <a:p>
             <a:fld id="{0815065D-DD3B-4D62-8C99-E5A934CC394E}" type="slidenum">
               <a:rPr lang="zh-CN" altLang="en-US"/>
+              <a:t>‹#›</a:t>
             </a:fld>
             <a:endParaRPr lang="zh-CN" altLang="en-US"/>
           </a:p>
@@ -6933,10 +7116,6 @@
               </a:rPr>
               <a:t>我们的计算机需要实现什么功能？</a:t>
             </a:r>
-            <a:endParaRPr lang="zh-CN" altLang="en-US" sz="2400" b="1" dirty="0">
-              <a:latin typeface="微软雅黑" panose="020B0503020204020204" pitchFamily="34" charset="-122"/>
-              <a:ea typeface="微软雅黑" panose="020B0503020204020204" pitchFamily="34" charset="-122"/>
-            </a:endParaRPr>
           </a:p>
         </p:txBody>
       </p:sp>
@@ -6959,7 +7138,6 @@
               <a:rPr lang="zh-CN" altLang="en-US"/>
               <a:t>华中科技大学 光学与电子信息学院</a:t>
             </a:r>
-            <a:endParaRPr lang="zh-CN" altLang="en-US"/>
           </a:p>
         </p:txBody>
       </p:sp>
@@ -6997,10 +7175,6 @@
               </a:rPr>
               <a:t>数据怎么取？放哪儿？做什么处理？</a:t>
             </a:r>
-            <a:endParaRPr lang="zh-CN" altLang="en-US" sz="2400" b="1" dirty="0">
-              <a:latin typeface="微软雅黑" panose="020B0503020204020204" pitchFamily="34" charset="-122"/>
-              <a:ea typeface="微软雅黑" panose="020B0503020204020204" pitchFamily="34" charset="-122"/>
-            </a:endParaRPr>
           </a:p>
         </p:txBody>
       </p:sp>
@@ -7147,9 +7321,6 @@
               </a:rPr>
               <a:t>存储器</a:t>
             </a:r>
-            <a:endParaRPr lang="zh-CN" altLang="en-US" sz="2000" dirty="0">
-              <a:latin typeface="Calibri" panose="020F0502020204030204" pitchFamily="34" charset="0"/>
-            </a:endParaRPr>
           </a:p>
         </p:txBody>
       </p:sp>
@@ -7369,7 +7540,6 @@
               <a:rPr lang="zh-CN" altLang="en-US" sz="2000" dirty="0"/>
               <a:t>运算器</a:t>
             </a:r>
-            <a:endParaRPr lang="zh-CN" altLang="en-US" sz="2000" dirty="0"/>
           </a:p>
         </p:txBody>
       </p:sp>
@@ -7793,7 +7963,6 @@
               <a:rPr lang="zh-CN" altLang="en-US" sz="2000" dirty="0"/>
               <a:t>控制器</a:t>
             </a:r>
-            <a:endParaRPr lang="zh-CN" altLang="en-US" sz="2000" dirty="0"/>
           </a:p>
         </p:txBody>
       </p:sp>
@@ -7848,13 +8017,13 @@
           <p:nvPr/>
         </p:nvPicPr>
         <p:blipFill>
-          <a:blip r:embed="rId1">
+          <a:blip r:embed="rId3">
             <a:extLst>
               <a:ext uri="{28A0092B-C50C-407E-A947-70E740481C1C}">
                 <a14:useLocalDpi xmlns:a14="http://schemas.microsoft.com/office/drawing/2010/main" val="0"/>
               </a:ext>
               <a:ext uri="{96DAC541-7B7A-43D3-8B79-37D633B846F1}">
-                <asvg:svgBlip xmlns:asvg="http://schemas.microsoft.com/office/drawing/2016/SVG/main" r:embed="rId2"/>
+                <asvg:svgBlip xmlns:asvg="http://schemas.microsoft.com/office/drawing/2016/SVG/main" r:embed="rId4"/>
               </a:ext>
             </a:extLst>
           </a:blip>
@@ -7909,13 +8078,6 @@
               </a:rPr>
               <a:t>数据</a:t>
             </a:r>
-            <a:endParaRPr lang="zh-CN" altLang="en-US" sz="2400" b="1" dirty="0">
-              <a:solidFill>
-                <a:srgbClr val="FF0000"/>
-              </a:solidFill>
-              <a:latin typeface="微软雅黑" panose="020B0503020204020204" pitchFamily="34" charset="-122"/>
-              <a:ea typeface="微软雅黑" panose="020B0503020204020204" pitchFamily="34" charset="-122"/>
-            </a:endParaRPr>
           </a:p>
         </p:txBody>
       </p:sp>
@@ -7968,13 +8130,13 @@
           <p:nvPr/>
         </p:nvPicPr>
         <p:blipFill>
-          <a:blip r:embed="rId1">
+          <a:blip r:embed="rId3">
             <a:extLst>
               <a:ext uri="{28A0092B-C50C-407E-A947-70E740481C1C}">
                 <a14:useLocalDpi xmlns:a14="http://schemas.microsoft.com/office/drawing/2010/main" val="0"/>
               </a:ext>
               <a:ext uri="{96DAC541-7B7A-43D3-8B79-37D633B846F1}">
-                <asvg:svgBlip xmlns:asvg="http://schemas.microsoft.com/office/drawing/2016/SVG/main" r:embed="rId2"/>
+                <asvg:svgBlip xmlns:asvg="http://schemas.microsoft.com/office/drawing/2016/SVG/main" r:embed="rId4"/>
               </a:ext>
             </a:extLst>
           </a:blip>
@@ -8107,17 +8269,13 @@
               </a:rPr>
               <a:t>硬件设备的四个主要功能：</a:t>
             </a:r>
-            <a:endParaRPr lang="zh-CN" altLang="en-US" sz="2400" b="1" dirty="0">
-              <a:latin typeface="微软雅黑" panose="020B0503020204020204" pitchFamily="34" charset="-122"/>
-              <a:ea typeface="微软雅黑" panose="020B0503020204020204" pitchFamily="34" charset="-122"/>
-            </a:endParaRPr>
           </a:p>
         </p:txBody>
       </p:sp>
       <p:sp>
         <p:nvSpPr>
           <p:cNvPr id="36" name="矩形 35">
-            <a:hlinkClick r:id="rId3" action="ppaction://hlinksldjump"/>
+            <a:hlinkClick r:id="rId5" action="ppaction://hlinksldjump"/>
           </p:cNvPr>
           <p:cNvSpPr/>
           <p:nvPr/>
@@ -8150,10 +8308,6 @@
               </a:rPr>
               <a:t>输入数据、输出数据、处理数据、存储数据</a:t>
             </a:r>
-            <a:endParaRPr lang="zh-CN" altLang="en-US" sz="2400" b="1" dirty="0">
-              <a:latin typeface="微软雅黑" panose="020B0503020204020204" pitchFamily="34" charset="-122"/>
-              <a:ea typeface="微软雅黑" panose="020B0503020204020204" pitchFamily="34" charset="-122"/>
-            </a:endParaRPr>
           </a:p>
         </p:txBody>
       </p:sp>
@@ -8162,13 +8316,13 @@
   <p:clrMapOvr>
     <a:masterClrMapping/>
   </p:clrMapOvr>
-  <mc:AlternateContent xmlns:mc="http://schemas.openxmlformats.org/markup-compatibility/2006">
-    <mc:Choice xmlns:p14="http://schemas.microsoft.com/office/powerpoint/2010/main" Requires="p14">
+  <mc:AlternateContent xmlns:mc="http://schemas.openxmlformats.org/markup-compatibility/2006" xmlns:p14="http://schemas.microsoft.com/office/powerpoint/2010/main">
+    <mc:Choice Requires="p14">
       <p:transition spd="med" p14:dur="700">
         <p:fade/>
       </p:transition>
     </mc:Choice>
-    <mc:Fallback>
+    <mc:Fallback xmlns="">
       <p:transition spd="med">
         <p:fade/>
       </p:transition>
@@ -8783,10 +8937,6 @@
               </a:rPr>
               <a:t>硬件模型</a:t>
             </a:r>
-            <a:endParaRPr lang="zh-CN" altLang="en-US" sz="2400" b="1" dirty="0">
-              <a:latin typeface="微软雅黑" panose="020B0503020204020204" pitchFamily="34" charset="-122"/>
-              <a:ea typeface="微软雅黑" panose="020B0503020204020204" pitchFamily="34" charset="-122"/>
-            </a:endParaRPr>
           </a:p>
         </p:txBody>
       </p:sp>
@@ -8809,7 +8959,6 @@
               <a:rPr lang="zh-CN" altLang="en-US"/>
               <a:t>华中科技大学 光学与电子信息学院</a:t>
             </a:r>
-            <a:endParaRPr lang="zh-CN" altLang="en-US"/>
           </a:p>
         </p:txBody>
       </p:sp>
@@ -8875,10 +9024,6 @@
                 </a:rPr>
                 <a:t>诺依曼结构</a:t>
               </a:r>
-              <a:endParaRPr lang="zh-CN" altLang="en-US" sz="2400" b="1" dirty="0">
-                <a:latin typeface="微软雅黑" panose="020B0503020204020204" pitchFamily="34" charset="-122"/>
-                <a:ea typeface="微软雅黑" panose="020B0503020204020204" pitchFamily="34" charset="-122"/>
-              </a:endParaRPr>
             </a:p>
           </p:txBody>
         </p:sp>
@@ -8891,7 +9036,7 @@
             <p:nvPr/>
           </p:nvPicPr>
           <p:blipFill>
-            <a:blip r:embed="rId1">
+            <a:blip r:embed="rId3">
               <a:extLst>
                 <a:ext uri="{28A0092B-C50C-407E-A947-70E740481C1C}">
                   <a14:useLocalDpi xmlns:a14="http://schemas.microsoft.com/office/drawing/2010/main" val="0"/>
@@ -8915,7 +9060,7 @@
         <p:sp>
           <p:nvSpPr>
             <p:cNvPr id="12" name="矩形 11">
-              <a:hlinkClick r:id="rId2" action="ppaction://hlinksldjump"/>
+              <a:hlinkClick r:id="rId4" action="ppaction://hlinksldjump"/>
             </p:cNvPr>
             <p:cNvSpPr/>
             <p:nvPr/>
@@ -8948,10 +9093,6 @@
                 </a:rPr>
                 <a:t>处理器从存储器中得到指令和数据，输入部件将数据写入存储器，输出部件从存储器中读取数据，控制器向数据通路，存储器，输入部件，输出部件发送命令信号；</a:t>
               </a:r>
-              <a:endParaRPr lang="zh-CN" altLang="en-US" dirty="0">
-                <a:latin typeface="微软雅黑" panose="020B0503020204020204" pitchFamily="34" charset="-122"/>
-                <a:ea typeface="微软雅黑" panose="020B0503020204020204" pitchFamily="34" charset="-122"/>
-              </a:endParaRPr>
             </a:p>
           </p:txBody>
         </p:sp>
@@ -8961,13 +9102,13 @@
   <p:clrMapOvr>
     <a:masterClrMapping/>
   </p:clrMapOvr>
-  <mc:AlternateContent xmlns:mc="http://schemas.openxmlformats.org/markup-compatibility/2006">
-    <mc:Choice xmlns:p14="http://schemas.microsoft.com/office/powerpoint/2010/main" Requires="p14">
+  <mc:AlternateContent xmlns:mc="http://schemas.openxmlformats.org/markup-compatibility/2006" xmlns:p14="http://schemas.microsoft.com/office/powerpoint/2010/main">
+    <mc:Choice Requires="p14">
       <p:transition spd="med" p14:dur="700">
         <p:fade/>
       </p:transition>
     </mc:Choice>
-    <mc:Fallback>
+    <mc:Fallback xmlns="">
       <p:transition spd="med">
         <p:fade/>
       </p:transition>
@@ -9150,10 +9291,6 @@
               </a:rPr>
               <a:t>编程模型</a:t>
             </a:r>
-            <a:endParaRPr lang="zh-CN" altLang="en-US" sz="2400" b="1" dirty="0">
-              <a:latin typeface="微软雅黑" panose="020B0503020204020204" pitchFamily="34" charset="-122"/>
-              <a:ea typeface="微软雅黑" panose="020B0503020204020204" pitchFamily="34" charset="-122"/>
-            </a:endParaRPr>
           </a:p>
         </p:txBody>
       </p:sp>
@@ -9176,7 +9313,6 @@
               <a:rPr lang="zh-CN" altLang="en-US"/>
               <a:t>华中科技大学 光学与电子信息学院</a:t>
             </a:r>
-            <a:endParaRPr lang="zh-CN" altLang="en-US"/>
           </a:p>
         </p:txBody>
       </p:sp>
@@ -9331,7 +9467,7 @@
           <p:nvPr/>
         </p:nvPicPr>
         <p:blipFill>
-          <a:blip r:embed="rId1">
+          <a:blip r:embed="rId3">
             <a:extLst>
               <a:ext uri="{28A0092B-C50C-407E-A947-70E740481C1C}">
                 <a14:useLocalDpi xmlns:a14="http://schemas.microsoft.com/office/drawing/2010/main" val="0"/>
@@ -9357,13 +9493,13 @@
   <p:clrMapOvr>
     <a:masterClrMapping/>
   </p:clrMapOvr>
-  <mc:AlternateContent xmlns:mc="http://schemas.openxmlformats.org/markup-compatibility/2006">
-    <mc:Choice xmlns:p14="http://schemas.microsoft.com/office/powerpoint/2010/main" Requires="p14">
+  <mc:AlternateContent xmlns:mc="http://schemas.openxmlformats.org/markup-compatibility/2006" xmlns:p14="http://schemas.microsoft.com/office/powerpoint/2010/main">
+    <mc:Choice Requires="p14">
       <p:transition spd="med" p14:dur="700">
         <p:fade/>
       </p:transition>
     </mc:Choice>
-    <mc:Fallback>
+    <mc:Fallback xmlns="">
       <p:transition spd="med">
         <p:fade/>
       </p:transition>
@@ -9778,10 +9914,6 @@
               </a:rPr>
               <a:t>操作系统</a:t>
             </a:r>
-            <a:endParaRPr lang="zh-CN" altLang="en-US" sz="2400" b="1" dirty="0">
-              <a:latin typeface="微软雅黑" panose="020B0503020204020204" pitchFamily="34" charset="-122"/>
-              <a:ea typeface="微软雅黑" panose="020B0503020204020204" pitchFamily="34" charset="-122"/>
-            </a:endParaRPr>
           </a:p>
         </p:txBody>
       </p:sp>
@@ -9804,7 +9936,6 @@
               <a:rPr lang="zh-CN" altLang="en-US"/>
               <a:t>华中科技大学 光学与电子信息学院</a:t>
             </a:r>
-            <a:endParaRPr lang="zh-CN" altLang="en-US"/>
           </a:p>
         </p:txBody>
       </p:sp>
@@ -10008,13 +10139,13 @@
   <p:clrMapOvr>
     <a:masterClrMapping/>
   </p:clrMapOvr>
-  <mc:AlternateContent xmlns:mc="http://schemas.openxmlformats.org/markup-compatibility/2006">
-    <mc:Choice xmlns:p14="http://schemas.microsoft.com/office/powerpoint/2010/main" Requires="p14">
+  <mc:AlternateContent xmlns:mc="http://schemas.openxmlformats.org/markup-compatibility/2006" xmlns:p14="http://schemas.microsoft.com/office/powerpoint/2010/main">
+    <mc:Choice Requires="p14">
       <p:transition spd="med" p14:dur="700">
         <p:fade/>
       </p:transition>
     </mc:Choice>
-    <mc:Fallback>
+    <mc:Fallback xmlns="">
       <p:transition spd="med">
         <p:fade/>
       </p:transition>
@@ -10629,10 +10760,6 @@
               </a:rPr>
               <a:t>高级语言到机器语言</a:t>
             </a:r>
-            <a:endParaRPr lang="zh-CN" altLang="en-US" sz="2400" b="1" dirty="0">
-              <a:latin typeface="微软雅黑" panose="020B0503020204020204" pitchFamily="34" charset="-122"/>
-              <a:ea typeface="微软雅黑" panose="020B0503020204020204" pitchFamily="34" charset="-122"/>
-            </a:endParaRPr>
           </a:p>
         </p:txBody>
       </p:sp>
@@ -10655,7 +10782,6 @@
               <a:rPr lang="zh-CN" altLang="en-US"/>
               <a:t>华中科技大学 光学与电子信息学院</a:t>
             </a:r>
-            <a:endParaRPr lang="zh-CN" altLang="en-US"/>
           </a:p>
         </p:txBody>
       </p:sp>
@@ -10682,7 +10808,7 @@
             <p:nvPr/>
           </p:nvPicPr>
           <p:blipFill>
-            <a:blip r:embed="rId1"/>
+            <a:blip r:embed="rId3"/>
             <a:stretch>
               <a:fillRect/>
             </a:stretch>
@@ -10706,7 +10832,7 @@
             <p:nvPr/>
           </p:nvPicPr>
           <p:blipFill>
-            <a:blip r:embed="rId2"/>
+            <a:blip r:embed="rId4"/>
             <a:stretch>
               <a:fillRect/>
             </a:stretch>
@@ -10796,10 +10922,6 @@
                 </a:rPr>
                 <a:t>编译</a:t>
               </a:r>
-              <a:endParaRPr lang="zh-CN" altLang="en-US" sz="2400" b="1" dirty="0">
-                <a:latin typeface="微软雅黑" panose="020B0503020204020204" pitchFamily="34" charset="-122"/>
-                <a:ea typeface="微软雅黑" panose="020B0503020204020204" pitchFamily="34" charset="-122"/>
-              </a:endParaRPr>
             </a:p>
           </p:txBody>
         </p:sp>
@@ -10812,7 +10934,7 @@
             <p:nvPr/>
           </p:nvPicPr>
           <p:blipFill>
-            <a:blip r:embed="rId3"/>
+            <a:blip r:embed="rId5"/>
             <a:stretch>
               <a:fillRect/>
             </a:stretch>
@@ -10902,10 +11024,6 @@
                 </a:rPr>
                 <a:t>汇编</a:t>
               </a:r>
-              <a:endParaRPr lang="zh-CN" altLang="en-US" sz="2400" b="1" dirty="0">
-                <a:latin typeface="微软雅黑" panose="020B0503020204020204" pitchFamily="34" charset="-122"/>
-                <a:ea typeface="微软雅黑" panose="020B0503020204020204" pitchFamily="34" charset="-122"/>
-              </a:endParaRPr>
             </a:p>
           </p:txBody>
         </p:sp>
@@ -10963,13 +11081,6 @@
               </a:rPr>
               <a:t>为什么不直接使用汇编或者机器语言而使用高级编程语言？</a:t>
             </a:r>
-            <a:endParaRPr lang="zh-CN" altLang="en-US" sz="2400" b="1" dirty="0">
-              <a:solidFill>
-                <a:srgbClr val="002060"/>
-              </a:solidFill>
-              <a:latin typeface="微软雅黑" panose="020B0503020204020204" pitchFamily="34" charset="-122"/>
-              <a:ea typeface="微软雅黑" panose="020B0503020204020204" pitchFamily="34" charset="-122"/>
-            </a:endParaRPr>
           </a:p>
         </p:txBody>
       </p:sp>
@@ -10982,10 +11093,10 @@
           <p:nvPr/>
         </p:nvPicPr>
         <p:blipFill>
-          <a:blip r:embed="rId4">
+          <a:blip r:embed="rId6">
             <a:extLst>
               <a:ext uri="{96DAC541-7B7A-43D3-8B79-37D633B846F1}">
-                <asvg:svgBlip xmlns:asvg="http://schemas.microsoft.com/office/drawing/2016/SVG/main" r:embed="rId5"/>
+                <asvg:svgBlip xmlns:asvg="http://schemas.microsoft.com/office/drawing/2016/SVG/main" r:embed="rId7"/>
               </a:ext>
             </a:extLst>
           </a:blip>
@@ -11008,13 +11119,13 @@
   <p:clrMapOvr>
     <a:masterClrMapping/>
   </p:clrMapOvr>
-  <mc:AlternateContent xmlns:mc="http://schemas.openxmlformats.org/markup-compatibility/2006">
-    <mc:Choice xmlns:p14="http://schemas.microsoft.com/office/powerpoint/2010/main" Requires="p14">
+  <mc:AlternateContent xmlns:mc="http://schemas.openxmlformats.org/markup-compatibility/2006" xmlns:p14="http://schemas.microsoft.com/office/powerpoint/2010/main">
+    <mc:Choice Requires="p14">
       <p:transition spd="med" p14:dur="700">
         <p:fade/>
       </p:transition>
     </mc:Choice>
-    <mc:Fallback>
+    <mc:Fallback xmlns="">
       <p:transition spd="med">
         <p:fade/>
       </p:transition>
@@ -11329,10 +11440,6 @@
               </a:rPr>
               <a:t>高级语言到机器语言</a:t>
             </a:r>
-            <a:endParaRPr lang="zh-CN" altLang="en-US" sz="2400" b="1" dirty="0">
-              <a:latin typeface="微软雅黑" panose="020B0503020204020204" pitchFamily="34" charset="-122"/>
-              <a:ea typeface="微软雅黑" panose="020B0503020204020204" pitchFamily="34" charset="-122"/>
-            </a:endParaRPr>
           </a:p>
         </p:txBody>
       </p:sp>
@@ -11355,7 +11462,6 @@
               <a:rPr lang="zh-CN" altLang="en-US"/>
               <a:t>华中科技大学 光学与电子信息学院</a:t>
             </a:r>
-            <a:endParaRPr lang="zh-CN" altLang="en-US"/>
           </a:p>
         </p:txBody>
       </p:sp>
@@ -11393,10 +11499,6 @@
               </a:rPr>
               <a:t>为什么不直接使用汇编或者机器语言而使用高级编程语言？</a:t>
             </a:r>
-            <a:endParaRPr lang="zh-CN" altLang="en-US" sz="2400" b="1" dirty="0">
-              <a:latin typeface="微软雅黑" panose="020B0503020204020204" pitchFamily="34" charset="-122"/>
-              <a:ea typeface="微软雅黑" panose="020B0503020204020204" pitchFamily="34" charset="-122"/>
-            </a:endParaRPr>
           </a:p>
         </p:txBody>
       </p:sp>
@@ -11441,10 +11543,6 @@
               </a:rPr>
               <a:t>易读性</a:t>
             </a:r>
-            <a:endParaRPr lang="zh-CN" altLang="en-US" sz="2400" b="1" dirty="0">
-              <a:latin typeface="微软雅黑" panose="020B0503020204020204" pitchFamily="34" charset="-122"/>
-              <a:ea typeface="微软雅黑" panose="020B0503020204020204" pitchFamily="34" charset="-122"/>
-            </a:endParaRPr>
           </a:p>
         </p:txBody>
       </p:sp>
@@ -11489,10 +11587,6 @@
               </a:rPr>
               <a:t>高效性</a:t>
             </a:r>
-            <a:endParaRPr lang="zh-CN" altLang="en-US" sz="2400" b="1" dirty="0">
-              <a:latin typeface="微软雅黑" panose="020B0503020204020204" pitchFamily="34" charset="-122"/>
-              <a:ea typeface="微软雅黑" panose="020B0503020204020204" pitchFamily="34" charset="-122"/>
-            </a:endParaRPr>
           </a:p>
         </p:txBody>
       </p:sp>
@@ -11537,10 +11631,6 @@
               </a:rPr>
               <a:t>独立性（不需要考虑计算机本身）</a:t>
             </a:r>
-            <a:endParaRPr lang="zh-CN" altLang="en-US" sz="2400" b="1" dirty="0">
-              <a:latin typeface="微软雅黑" panose="020B0503020204020204" pitchFamily="34" charset="-122"/>
-              <a:ea typeface="微软雅黑" panose="020B0503020204020204" pitchFamily="34" charset="-122"/>
-            </a:endParaRPr>
           </a:p>
         </p:txBody>
       </p:sp>
@@ -11549,13 +11639,13 @@
   <p:clrMapOvr>
     <a:masterClrMapping/>
   </p:clrMapOvr>
-  <mc:AlternateContent xmlns:mc="http://schemas.openxmlformats.org/markup-compatibility/2006">
-    <mc:Choice xmlns:p14="http://schemas.microsoft.com/office/powerpoint/2010/main" Requires="p14">
+  <mc:AlternateContent xmlns:mc="http://schemas.openxmlformats.org/markup-compatibility/2006" xmlns:p14="http://schemas.microsoft.com/office/powerpoint/2010/main">
+    <mc:Choice Requires="p14">
       <p:transition spd="med" p14:dur="700">
         <p:fade/>
       </p:transition>
     </mc:Choice>
-    <mc:Fallback>
+    <mc:Fallback xmlns="">
       <p:transition spd="med">
         <p:fade/>
       </p:transition>
@@ -12156,10 +12246,6 @@
               </a:rPr>
               <a:t>内容概述</a:t>
             </a:r>
-            <a:endParaRPr lang="zh-CN" altLang="en-US" sz="2400" b="1" dirty="0">
-              <a:latin typeface="微软雅黑" panose="020B0503020204020204" pitchFamily="34" charset="-122"/>
-              <a:ea typeface="微软雅黑" panose="020B0503020204020204" pitchFamily="34" charset="-122"/>
-            </a:endParaRPr>
           </a:p>
         </p:txBody>
       </p:sp>
@@ -12182,7 +12268,6 @@
               <a:rPr lang="zh-CN" altLang="en-US"/>
               <a:t>华中科技大学 光学与电子信息学院</a:t>
             </a:r>
-            <a:endParaRPr lang="zh-CN" altLang="en-US"/>
           </a:p>
         </p:txBody>
       </p:sp>
@@ -12584,25 +12669,18 @@
   <p:clrMapOvr>
     <a:masterClrMapping/>
   </p:clrMapOvr>
-  <mc:AlternateContent xmlns:mc="http://schemas.openxmlformats.org/markup-compatibility/2006">
-    <mc:Choice xmlns:p14="http://schemas.microsoft.com/office/powerpoint/2010/main" Requires="p14">
+  <mc:AlternateContent xmlns:mc="http://schemas.openxmlformats.org/markup-compatibility/2006" xmlns:p14="http://schemas.microsoft.com/office/powerpoint/2010/main">
+    <mc:Choice Requires="p14">
       <p:transition spd="med" p14:dur="700">
         <p:fade/>
       </p:transition>
     </mc:Choice>
-    <mc:Fallback>
+    <mc:Fallback xmlns="">
       <p:transition spd="med">
         <p:fade/>
       </p:transition>
     </mc:Fallback>
   </mc:AlternateContent>
-  <p:timing>
-    <p:tnLst>
-      <p:par>
-        <p:cTn id="1" dur="indefinite" restart="never" nodeType="tmRoot"/>
-      </p:par>
-    </p:tnLst>
-  </p:timing>
 </p:sld>
 </file>
 
@@ -12780,10 +12858,6 @@
               </a:rPr>
               <a:t>性能</a:t>
             </a:r>
-            <a:endParaRPr lang="zh-CN" altLang="en-US" sz="2400" b="1" dirty="0">
-              <a:latin typeface="微软雅黑" panose="020B0503020204020204" pitchFamily="34" charset="-122"/>
-              <a:ea typeface="微软雅黑" panose="020B0503020204020204" pitchFamily="34" charset="-122"/>
-            </a:endParaRPr>
           </a:p>
         </p:txBody>
       </p:sp>
@@ -12806,7 +12880,6 @@
               <a:rPr lang="zh-CN" altLang="en-US"/>
               <a:t>华中科技大学 光学与电子信息学院</a:t>
             </a:r>
-            <a:endParaRPr lang="zh-CN" altLang="en-US"/>
           </a:p>
         </p:txBody>
       </p:sp>
@@ -12954,10 +13027,10 @@
           <p:nvPr/>
         </p:nvPicPr>
         <p:blipFill>
-          <a:blip r:embed="rId1">
+          <a:blip r:embed="rId3">
             <a:extLst>
               <a:ext uri="{96DAC541-7B7A-43D3-8B79-37D633B846F1}">
-                <asvg:svgBlip xmlns:asvg="http://schemas.microsoft.com/office/drawing/2016/SVG/main" r:embed="rId2"/>
+                <asvg:svgBlip xmlns:asvg="http://schemas.microsoft.com/office/drawing/2016/SVG/main" r:embed="rId4"/>
               </a:ext>
             </a:extLst>
           </a:blip>
@@ -13005,6 +13078,7 @@
           <a:bodyPr wrap="square">
             <a:spAutoFit/>
           </a:bodyPr>
+          <a:lstStyle/>
           <a:p>
             <a:pPr>
               <a:lnSpc>
@@ -13021,13 +13095,6 @@
               </a:rPr>
               <a:t>响应时间与吞吐率之间有无联系？</a:t>
             </a:r>
-            <a:endParaRPr lang="zh-CN" altLang="en-US" sz="2000" b="1" dirty="0">
-              <a:solidFill>
-                <a:srgbClr val="002060"/>
-              </a:solidFill>
-              <a:latin typeface="微软雅黑" panose="020B0503020204020204" pitchFamily="34" charset="-122"/>
-              <a:ea typeface="微软雅黑" panose="020B0503020204020204" pitchFamily="34" charset="-122"/>
-            </a:endParaRPr>
           </a:p>
         </p:txBody>
       </p:sp>
@@ -13036,13 +13103,13 @@
   <p:clrMapOvr>
     <a:masterClrMapping/>
   </p:clrMapOvr>
-  <mc:AlternateContent xmlns:mc="http://schemas.openxmlformats.org/markup-compatibility/2006">
-    <mc:Choice xmlns:p14="http://schemas.microsoft.com/office/powerpoint/2010/main" Requires="p14">
+  <mc:AlternateContent xmlns:mc="http://schemas.openxmlformats.org/markup-compatibility/2006" xmlns:p14="http://schemas.microsoft.com/office/powerpoint/2010/main">
+    <mc:Choice Requires="p14">
       <p:transition spd="med" p14:dur="700">
         <p:fade/>
       </p:transition>
     </mc:Choice>
-    <mc:Fallback>
+    <mc:Fallback xmlns="">
       <p:transition spd="med">
         <p:fade/>
       </p:transition>
@@ -13357,10 +13424,6 @@
               </a:rPr>
               <a:t>性能</a:t>
             </a:r>
-            <a:endParaRPr lang="zh-CN" altLang="en-US" sz="2400" b="1" dirty="0">
-              <a:latin typeface="微软雅黑" panose="020B0503020204020204" pitchFamily="34" charset="-122"/>
-              <a:ea typeface="微软雅黑" panose="020B0503020204020204" pitchFamily="34" charset="-122"/>
-            </a:endParaRPr>
           </a:p>
         </p:txBody>
       </p:sp>
@@ -13383,7 +13446,6 @@
               <a:rPr lang="zh-CN" altLang="en-US"/>
               <a:t>华中科技大学 光学与电子信息学院</a:t>
             </a:r>
-            <a:endParaRPr lang="zh-CN" altLang="en-US"/>
           </a:p>
         </p:txBody>
       </p:sp>
@@ -13464,7 +13526,7 @@
             <p:nvPr/>
           </p:nvPicPr>
           <p:blipFill>
-            <a:blip r:embed="rId1"/>
+            <a:blip r:embed="rId3"/>
             <a:stretch>
               <a:fillRect/>
             </a:stretch>
@@ -13488,7 +13550,7 @@
             <p:nvPr/>
           </p:nvPicPr>
           <p:blipFill>
-            <a:blip r:embed="rId2"/>
+            <a:blip r:embed="rId4"/>
             <a:stretch>
               <a:fillRect/>
             </a:stretch>
@@ -13552,7 +13614,7 @@
             <p:nvPr/>
           </p:nvPicPr>
           <p:blipFill>
-            <a:blip r:embed="rId3"/>
+            <a:blip r:embed="rId5"/>
             <a:stretch>
               <a:fillRect/>
             </a:stretch>
@@ -13616,7 +13678,7 @@
             <p:nvPr/>
           </p:nvPicPr>
           <p:blipFill>
-            <a:blip r:embed="rId4"/>
+            <a:blip r:embed="rId6"/>
             <a:stretch>
               <a:fillRect/>
             </a:stretch>
@@ -13683,13 +13745,13 @@
   <p:clrMapOvr>
     <a:masterClrMapping/>
   </p:clrMapOvr>
-  <mc:AlternateContent xmlns:mc="http://schemas.openxmlformats.org/markup-compatibility/2006">
-    <mc:Choice xmlns:p14="http://schemas.microsoft.com/office/powerpoint/2010/main" Requires="p14">
+  <mc:AlternateContent xmlns:mc="http://schemas.openxmlformats.org/markup-compatibility/2006" xmlns:p14="http://schemas.microsoft.com/office/powerpoint/2010/main">
+    <mc:Choice Requires="p14">
       <p:transition spd="med" p14:dur="700">
         <p:fade/>
       </p:transition>
     </mc:Choice>
-    <mc:Fallback>
+    <mc:Fallback xmlns="">
       <p:transition spd="med">
         <p:fade/>
       </p:transition>
@@ -13969,10 +14031,6 @@
               </a:rPr>
               <a:t>多核</a:t>
             </a:r>
-            <a:endParaRPr lang="zh-CN" altLang="en-US" sz="2400" b="1" dirty="0">
-              <a:latin typeface="微软雅黑" panose="020B0503020204020204" pitchFamily="34" charset="-122"/>
-              <a:ea typeface="微软雅黑" panose="020B0503020204020204" pitchFamily="34" charset="-122"/>
-            </a:endParaRPr>
           </a:p>
         </p:txBody>
       </p:sp>
@@ -13995,7 +14053,6 @@
               <a:rPr lang="zh-CN" altLang="en-US"/>
               <a:t>华中科技大学 光学与电子信息学院</a:t>
             </a:r>
-            <a:endParaRPr lang="zh-CN" altLang="en-US"/>
           </a:p>
         </p:txBody>
       </p:sp>
@@ -14114,7 +14171,7 @@
             <p:nvPr/>
           </p:nvPicPr>
           <p:blipFill>
-            <a:blip r:embed="rId1">
+            <a:blip r:embed="rId3">
               <a:extLst>
                 <a:ext uri="{28A0092B-C50C-407E-A947-70E740481C1C}">
                   <a14:useLocalDpi xmlns:a14="http://schemas.microsoft.com/office/drawing/2010/main" val="0"/>
@@ -14141,13 +14198,13 @@
   <p:clrMapOvr>
     <a:masterClrMapping/>
   </p:clrMapOvr>
-  <mc:AlternateContent xmlns:mc="http://schemas.openxmlformats.org/markup-compatibility/2006">
-    <mc:Choice xmlns:p14="http://schemas.microsoft.com/office/powerpoint/2010/main" Requires="p14">
+  <mc:AlternateContent xmlns:mc="http://schemas.openxmlformats.org/markup-compatibility/2006" xmlns:p14="http://schemas.microsoft.com/office/powerpoint/2010/main">
+    <mc:Choice Requires="p14">
       <p:transition spd="med" p14:dur="700">
         <p:fade/>
       </p:transition>
     </mc:Choice>
-    <mc:Fallback>
+    <mc:Fallback xmlns="">
       <p:transition spd="med">
         <p:fade/>
       </p:transition>
@@ -14316,10 +14373,6 @@
               </a:rPr>
               <a:t>内容概述</a:t>
             </a:r>
-            <a:endParaRPr lang="zh-CN" altLang="en-US" sz="2400" b="1" dirty="0">
-              <a:latin typeface="微软雅黑" panose="020B0503020204020204" pitchFamily="34" charset="-122"/>
-              <a:ea typeface="微软雅黑" panose="020B0503020204020204" pitchFamily="34" charset="-122"/>
-            </a:endParaRPr>
           </a:p>
         </p:txBody>
       </p:sp>
@@ -14342,7 +14395,6 @@
               <a:rPr lang="zh-CN" altLang="en-US"/>
               <a:t>华中科技大学 光学与电子信息学院</a:t>
             </a:r>
-            <a:endParaRPr lang="zh-CN" altLang="en-US"/>
           </a:p>
         </p:txBody>
       </p:sp>
@@ -14738,13 +14790,13 @@
   <p:clrMapOvr>
     <a:masterClrMapping/>
   </p:clrMapOvr>
-  <mc:AlternateContent xmlns:mc="http://schemas.openxmlformats.org/markup-compatibility/2006">
-    <mc:Choice xmlns:p14="http://schemas.microsoft.com/office/powerpoint/2010/main" Requires="p14">
+  <mc:AlternateContent xmlns:mc="http://schemas.openxmlformats.org/markup-compatibility/2006" xmlns:p14="http://schemas.microsoft.com/office/powerpoint/2010/main">
+    <mc:Choice Requires="p14">
       <p:transition spd="med" p14:dur="700">
         <p:fade/>
       </p:transition>
     </mc:Choice>
-    <mc:Fallback>
+    <mc:Fallback xmlns="">
       <p:transition spd="med">
         <p:fade/>
       </p:transition>
@@ -14927,10 +14979,6 @@
               </a:rPr>
               <a:t>多核</a:t>
             </a:r>
-            <a:endParaRPr lang="zh-CN" altLang="en-US" sz="2400" b="1" dirty="0">
-              <a:latin typeface="微软雅黑" panose="020B0503020204020204" pitchFamily="34" charset="-122"/>
-              <a:ea typeface="微软雅黑" panose="020B0503020204020204" pitchFamily="34" charset="-122"/>
-            </a:endParaRPr>
           </a:p>
         </p:txBody>
       </p:sp>
@@ -14953,7 +15001,6 @@
               <a:rPr lang="zh-CN" altLang="en-US"/>
               <a:t>华中科技大学 光学与电子信息学院</a:t>
             </a:r>
-            <a:endParaRPr lang="zh-CN" altLang="en-US"/>
           </a:p>
         </p:txBody>
       </p:sp>
@@ -15216,13 +15263,13 @@
   <p:clrMapOvr>
     <a:masterClrMapping/>
   </p:clrMapOvr>
-  <mc:AlternateContent xmlns:mc="http://schemas.openxmlformats.org/markup-compatibility/2006">
-    <mc:Choice xmlns:p14="http://schemas.microsoft.com/office/powerpoint/2010/main" Requires="p14">
+  <mc:AlternateContent xmlns:mc="http://schemas.openxmlformats.org/markup-compatibility/2006" xmlns:p14="http://schemas.microsoft.com/office/powerpoint/2010/main">
+    <mc:Choice Requires="p14">
       <p:transition spd="med" p14:dur="700">
         <p:fade/>
       </p:transition>
     </mc:Choice>
-    <mc:Fallback>
+    <mc:Fallback xmlns="">
       <p:transition spd="med">
         <p:fade/>
       </p:transition>
@@ -16037,10 +16084,6 @@
               </a:rPr>
               <a:t>功耗</a:t>
             </a:r>
-            <a:endParaRPr lang="zh-CN" altLang="en-US" sz="2400" b="1" dirty="0">
-              <a:latin typeface="微软雅黑" panose="020B0503020204020204" pitchFamily="34" charset="-122"/>
-              <a:ea typeface="微软雅黑" panose="020B0503020204020204" pitchFamily="34" charset="-122"/>
-            </a:endParaRPr>
           </a:p>
         </p:txBody>
       </p:sp>
@@ -16063,7 +16106,6 @@
               <a:rPr lang="zh-CN" altLang="en-US"/>
               <a:t>华中科技大学 光学与电子信息学院</a:t>
             </a:r>
-            <a:endParaRPr lang="zh-CN" altLang="en-US"/>
           </a:p>
         </p:txBody>
       </p:sp>
@@ -16198,7 +16240,7 @@
             <p:nvPr/>
           </p:nvPicPr>
           <p:blipFill>
-            <a:blip r:embed="rId1">
+            <a:blip r:embed="rId3">
               <a:extLst>
                 <a:ext uri="{28A0092B-C50C-407E-A947-70E740481C1C}">
                   <a14:useLocalDpi xmlns:a14="http://schemas.microsoft.com/office/drawing/2010/main" val="0"/>
@@ -16228,7 +16270,7 @@
             <p:nvPr/>
           </p:nvPicPr>
           <p:blipFill>
-            <a:blip r:embed="rId2"/>
+            <a:blip r:embed="rId4"/>
             <a:stretch>
               <a:fillRect/>
             </a:stretch>
@@ -16253,10 +16295,10 @@
           <p:nvPr/>
         </p:nvPicPr>
         <p:blipFill>
-          <a:blip r:embed="rId3">
+          <a:blip r:embed="rId5">
             <a:extLst>
               <a:ext uri="{96DAC541-7B7A-43D3-8B79-37D633B846F1}">
-                <asvg:svgBlip xmlns:asvg="http://schemas.microsoft.com/office/drawing/2016/SVG/main" r:embed="rId4"/>
+                <asvg:svgBlip xmlns:asvg="http://schemas.microsoft.com/office/drawing/2016/SVG/main" r:embed="rId6"/>
               </a:ext>
             </a:extLst>
           </a:blip>
@@ -16304,6 +16346,7 @@
           <a:bodyPr wrap="square">
             <a:spAutoFit/>
           </a:bodyPr>
+          <a:lstStyle/>
           <a:p>
             <a:pPr>
               <a:lnSpc>
@@ -16321,14 +16364,6 @@
               </a:rPr>
               <a:t>面向性能的设计和面向能量功率的设计具有相关的目标？</a:t>
             </a:r>
-            <a:endParaRPr lang="zh-CN" altLang="en-US" sz="2000" b="1" dirty="0">
-              <a:solidFill>
-                <a:srgbClr val="002060"/>
-              </a:solidFill>
-              <a:latin typeface="微软雅黑" panose="020B0503020204020204" pitchFamily="34" charset="-122"/>
-              <a:ea typeface="微软雅黑" panose="020B0503020204020204" pitchFamily="34" charset="-122"/>
-              <a:sym typeface="+mn-ea"/>
-            </a:endParaRPr>
           </a:p>
         </p:txBody>
       </p:sp>
@@ -16337,13 +16372,13 @@
   <p:clrMapOvr>
     <a:masterClrMapping/>
   </p:clrMapOvr>
-  <mc:AlternateContent xmlns:mc="http://schemas.openxmlformats.org/markup-compatibility/2006">
-    <mc:Choice xmlns:p14="http://schemas.microsoft.com/office/powerpoint/2010/main" Requires="p14">
+  <mc:AlternateContent xmlns:mc="http://schemas.openxmlformats.org/markup-compatibility/2006" xmlns:p14="http://schemas.microsoft.com/office/powerpoint/2010/main">
+    <mc:Choice Requires="p14">
       <p:transition spd="med" p14:dur="700">
         <p:fade/>
       </p:transition>
     </mc:Choice>
-    <mc:Fallback>
+    <mc:Fallback xmlns="">
       <p:transition spd="med">
         <p:fade/>
       </p:transition>
@@ -16644,10 +16679,6 @@
               </a:rPr>
               <a:t>小结</a:t>
             </a:r>
-            <a:endParaRPr lang="zh-CN" altLang="en-US" sz="2400" b="1" dirty="0">
-              <a:latin typeface="微软雅黑" panose="020B0503020204020204" pitchFamily="34" charset="-122"/>
-              <a:ea typeface="微软雅黑" panose="020B0503020204020204" pitchFamily="34" charset="-122"/>
-            </a:endParaRPr>
           </a:p>
         </p:txBody>
       </p:sp>
@@ -16670,7 +16701,6 @@
               <a:rPr lang="zh-CN" altLang="en-US"/>
               <a:t>华中科技大学 光学与电子信息学院</a:t>
             </a:r>
-            <a:endParaRPr lang="zh-CN" altLang="en-US"/>
           </a:p>
         </p:txBody>
       </p:sp>
@@ -16928,13 +16958,13 @@
   <p:clrMapOvr>
     <a:masterClrMapping/>
   </p:clrMapOvr>
-  <mc:AlternateContent xmlns:mc="http://schemas.openxmlformats.org/markup-compatibility/2006">
-    <mc:Choice xmlns:p14="http://schemas.microsoft.com/office/powerpoint/2010/main" Requires="p14">
+  <mc:AlternateContent xmlns:mc="http://schemas.openxmlformats.org/markup-compatibility/2006" xmlns:p14="http://schemas.microsoft.com/office/powerpoint/2010/main">
+    <mc:Choice Requires="p14">
       <p:transition spd="med" p14:dur="700">
         <p:fade/>
       </p:transition>
     </mc:Choice>
-    <mc:Fallback>
+    <mc:Fallback xmlns="">
       <p:transition spd="med">
         <p:fade/>
       </p:transition>
@@ -17630,10 +17660,6 @@
               </a:rPr>
               <a:t>民用</a:t>
             </a:r>
-            <a:endParaRPr lang="zh-CN" altLang="en-US" sz="2400" b="1" dirty="0">
-              <a:latin typeface="微软雅黑" panose="020B0503020204020204" pitchFamily="34" charset="-122"/>
-              <a:ea typeface="微软雅黑" panose="020B0503020204020204" pitchFamily="34" charset="-122"/>
-            </a:endParaRPr>
           </a:p>
         </p:txBody>
       </p:sp>
@@ -17656,7 +17682,6 @@
               <a:rPr lang="zh-CN" altLang="en-US"/>
               <a:t>华中科技大学 光学与电子信息学院</a:t>
             </a:r>
-            <a:endParaRPr lang="zh-CN" altLang="en-US"/>
           </a:p>
         </p:txBody>
       </p:sp>
@@ -17669,7 +17694,7 @@
           <p:nvPr/>
         </p:nvPicPr>
         <p:blipFill>
-          <a:blip r:embed="rId1">
+          <a:blip r:embed="rId3">
             <a:extLst>
               <a:ext uri="{28A0092B-C50C-407E-A947-70E740481C1C}">
                 <a14:useLocalDpi xmlns:a14="http://schemas.microsoft.com/office/drawing/2010/main" val="0"/>
@@ -17723,7 +17748,7 @@
           <p:nvPr/>
         </p:nvPicPr>
         <p:blipFill>
-          <a:blip r:embed="rId2">
+          <a:blip r:embed="rId4" cstate="print">
             <a:extLst>
               <a:ext uri="{28A0092B-C50C-407E-A947-70E740481C1C}">
                 <a14:useLocalDpi xmlns:a14="http://schemas.microsoft.com/office/drawing/2010/main" val="0"/>
@@ -17777,7 +17802,7 @@
           <p:nvPr/>
         </p:nvPicPr>
         <p:blipFill>
-          <a:blip r:embed="rId3">
+          <a:blip r:embed="rId5">
             <a:extLst>
               <a:ext uri="{28A0092B-C50C-407E-A947-70E740481C1C}">
                 <a14:useLocalDpi xmlns:a14="http://schemas.microsoft.com/office/drawing/2010/main" val="0"/>
@@ -17986,10 +18011,6 @@
               </a:rPr>
               <a:t>大型机</a:t>
             </a:r>
-            <a:endParaRPr lang="zh-CN" altLang="en-US" sz="2000" b="1" dirty="0">
-              <a:latin typeface="微软雅黑" panose="020B0503020204020204" pitchFamily="34" charset="-122"/>
-              <a:ea typeface="微软雅黑" panose="020B0503020204020204" pitchFamily="34" charset="-122"/>
-            </a:endParaRPr>
           </a:p>
         </p:txBody>
       </p:sp>
@@ -18157,10 +18178,6 @@
               </a:rPr>
               <a:t>小型机</a:t>
             </a:r>
-            <a:endParaRPr lang="zh-CN" altLang="en-US" sz="2000" b="1" dirty="0">
-              <a:latin typeface="微软雅黑" panose="020B0503020204020204" pitchFamily="34" charset="-122"/>
-              <a:ea typeface="微软雅黑" panose="020B0503020204020204" pitchFamily="34" charset="-122"/>
-            </a:endParaRPr>
           </a:p>
         </p:txBody>
       </p:sp>
@@ -18335,10 +18352,6 @@
               </a:rPr>
               <a:t>机</a:t>
             </a:r>
-            <a:endParaRPr lang="zh-CN" altLang="en-US" sz="2000" b="1" dirty="0">
-              <a:latin typeface="微软雅黑" panose="020B0503020204020204" pitchFamily="34" charset="-122"/>
-              <a:ea typeface="微软雅黑" panose="020B0503020204020204" pitchFamily="34" charset="-122"/>
-            </a:endParaRPr>
           </a:p>
         </p:txBody>
       </p:sp>
@@ -18675,13 +18688,13 @@
   <p:clrMapOvr>
     <a:masterClrMapping/>
   </p:clrMapOvr>
-  <mc:AlternateContent xmlns:mc="http://schemas.openxmlformats.org/markup-compatibility/2006">
-    <mc:Choice xmlns:p14="http://schemas.microsoft.com/office/powerpoint/2010/main" Requires="p14">
+  <mc:AlternateContent xmlns:mc="http://schemas.openxmlformats.org/markup-compatibility/2006" xmlns:p14="http://schemas.microsoft.com/office/powerpoint/2010/main">
+    <mc:Choice Requires="p14">
       <p:transition spd="med" p14:dur="700">
         <p:fade/>
       </p:transition>
     </mc:Choice>
-    <mc:Fallback>
+    <mc:Fallback xmlns="">
       <p:transition spd="med">
         <p:fade/>
       </p:transition>
@@ -18850,10 +18863,6 @@
               </a:rPr>
               <a:t>计算机的分类</a:t>
             </a:r>
-            <a:endParaRPr lang="zh-CN" altLang="en-US" sz="2400" b="1" dirty="0">
-              <a:latin typeface="微软雅黑" panose="020B0503020204020204" pitchFamily="34" charset="-122"/>
-              <a:ea typeface="微软雅黑" panose="020B0503020204020204" pitchFamily="34" charset="-122"/>
-            </a:endParaRPr>
           </a:p>
         </p:txBody>
       </p:sp>
@@ -18876,7 +18885,6 @@
               <a:rPr lang="zh-CN" altLang="en-US"/>
               <a:t>华中科技大学 光学与电子信息学院</a:t>
             </a:r>
-            <a:endParaRPr lang="zh-CN" altLang="en-US"/>
           </a:p>
         </p:txBody>
       </p:sp>
@@ -18889,7 +18897,7 @@
           <p:nvPr/>
         </p:nvPicPr>
         <p:blipFill>
-          <a:blip r:embed="rId1">
+          <a:blip r:embed="rId4">
             <a:extLst>
               <a:ext uri="{28A0092B-C50C-407E-A947-70E740481C1C}">
                 <a14:useLocalDpi xmlns:a14="http://schemas.microsoft.com/office/drawing/2010/main" val="0"/>
@@ -18919,7 +18927,7 @@
           <p:nvPr/>
         </p:nvPicPr>
         <p:blipFill>
-          <a:blip r:embed="rId2">
+          <a:blip r:embed="rId5">
             <a:extLst>
               <a:ext uri="{28A0092B-C50C-407E-A947-70E740481C1C}">
                 <a14:useLocalDpi xmlns:a14="http://schemas.microsoft.com/office/drawing/2010/main" val="0"/>
@@ -18949,7 +18957,7 @@
           <p:nvPr/>
         </p:nvPicPr>
         <p:blipFill>
-          <a:blip r:embed="rId3">
+          <a:blip r:embed="rId6">
             <a:extLst>
               <a:ext uri="{28A0092B-C50C-407E-A947-70E740481C1C}">
                 <a14:useLocalDpi xmlns:a14="http://schemas.microsoft.com/office/drawing/2010/main" val="0"/>
@@ -19124,19 +19132,19 @@
       </p:sp>
     </p:spTree>
     <p:custDataLst>
-      <p:tags r:id="rId4"/>
+      <p:tags r:id="rId1"/>
     </p:custDataLst>
   </p:cSld>
   <p:clrMapOvr>
     <a:masterClrMapping/>
   </p:clrMapOvr>
-  <mc:AlternateContent xmlns:mc="http://schemas.openxmlformats.org/markup-compatibility/2006">
-    <mc:Choice xmlns:p14="http://schemas.microsoft.com/office/powerpoint/2010/main" Requires="p14">
+  <mc:AlternateContent xmlns:mc="http://schemas.openxmlformats.org/markup-compatibility/2006" xmlns:p14="http://schemas.microsoft.com/office/powerpoint/2010/main">
+    <mc:Choice Requires="p14">
       <p:transition spd="med" p14:dur="700">
         <p:fade/>
       </p:transition>
     </mc:Choice>
-    <mc:Fallback>
+    <mc:Fallback xmlns="">
       <p:transition spd="med">
         <p:fade/>
       </p:transition>
@@ -19506,10 +19514,6 @@
               </a:rPr>
               <a:t>链条</a:t>
             </a:r>
-            <a:endParaRPr lang="zh-CN" altLang="en-US" sz="2400" b="1" dirty="0">
-              <a:latin typeface="微软雅黑" panose="020B0503020204020204" pitchFamily="34" charset="-122"/>
-              <a:ea typeface="微软雅黑" panose="020B0503020204020204" pitchFamily="34" charset="-122"/>
-            </a:endParaRPr>
           </a:p>
         </p:txBody>
       </p:sp>
@@ -19532,7 +19536,6 @@
               <a:rPr lang="zh-CN" altLang="en-US"/>
               <a:t>华中科技大学 光学与电子信息学院</a:t>
             </a:r>
-            <a:endParaRPr lang="zh-CN" altLang="en-US"/>
           </a:p>
         </p:txBody>
       </p:sp>
@@ -21852,13 +21855,13 @@
   <p:clrMapOvr>
     <a:masterClrMapping/>
   </p:clrMapOvr>
-  <mc:AlternateContent xmlns:mc="http://schemas.openxmlformats.org/markup-compatibility/2006">
-    <mc:Choice xmlns:p14="http://schemas.microsoft.com/office/powerpoint/2010/main" Requires="p14">
+  <mc:AlternateContent xmlns:mc="http://schemas.openxmlformats.org/markup-compatibility/2006" xmlns:p14="http://schemas.microsoft.com/office/powerpoint/2010/main">
+    <mc:Choice Requires="p14">
       <p:transition spd="med" p14:dur="700">
         <p:fade/>
       </p:transition>
     </mc:Choice>
-    <mc:Fallback>
+    <mc:Fallback xmlns="">
       <p:transition spd="med">
         <p:fade/>
       </p:transition>
@@ -22108,10 +22111,6 @@
               </a:rPr>
               <a:t>内容概述</a:t>
             </a:r>
-            <a:endParaRPr lang="zh-CN" altLang="en-US" sz="2400" b="1" dirty="0">
-              <a:latin typeface="微软雅黑" panose="020B0503020204020204" pitchFamily="34" charset="-122"/>
-              <a:ea typeface="微软雅黑" panose="020B0503020204020204" pitchFamily="34" charset="-122"/>
-            </a:endParaRPr>
           </a:p>
         </p:txBody>
       </p:sp>
@@ -22134,7 +22133,6 @@
               <a:rPr lang="zh-CN" altLang="en-US"/>
               <a:t>华中科技大学 光学与电子信息学院</a:t>
             </a:r>
-            <a:endParaRPr lang="zh-CN" altLang="en-US"/>
           </a:p>
         </p:txBody>
       </p:sp>
@@ -22536,13 +22534,13 @@
   <p:clrMapOvr>
     <a:masterClrMapping/>
   </p:clrMapOvr>
-  <mc:AlternateContent xmlns:mc="http://schemas.openxmlformats.org/markup-compatibility/2006">
-    <mc:Choice xmlns:p14="http://schemas.microsoft.com/office/powerpoint/2010/main" Requires="p14">
+  <mc:AlternateContent xmlns:mc="http://schemas.openxmlformats.org/markup-compatibility/2006" xmlns:p14="http://schemas.microsoft.com/office/powerpoint/2010/main">
+    <mc:Choice Requires="p14">
       <p:transition spd="med" p14:dur="700">
         <p:fade/>
       </p:transition>
     </mc:Choice>
-    <mc:Fallback>
+    <mc:Fallback xmlns="">
       <p:transition spd="med">
         <p:fade/>
       </p:transition>
@@ -22577,10 +22575,10 @@
           <p:nvPr/>
         </p:nvPicPr>
         <p:blipFill>
-          <a:blip r:embed="rId1">
+          <a:blip r:embed="rId3">
             <a:extLst>
               <a:ext uri="{96DAC541-7B7A-43D3-8B79-37D633B846F1}">
-                <asvg:svgBlip xmlns:asvg="http://schemas.microsoft.com/office/drawing/2016/SVG/main" r:embed="rId2"/>
+                <asvg:svgBlip xmlns:asvg="http://schemas.microsoft.com/office/drawing/2016/SVG/main" r:embed="rId4"/>
               </a:ext>
             </a:extLst>
           </a:blip>
@@ -22741,10 +22739,6 @@
               </a:rPr>
               <a:t>处理器的八大设计思想</a:t>
             </a:r>
-            <a:endParaRPr lang="zh-CN" altLang="en-US" sz="2400" b="1" dirty="0">
-              <a:latin typeface="微软雅黑" panose="020B0503020204020204" pitchFamily="34" charset="-122"/>
-              <a:ea typeface="微软雅黑" panose="020B0503020204020204" pitchFamily="34" charset="-122"/>
-            </a:endParaRPr>
           </a:p>
         </p:txBody>
       </p:sp>
@@ -22789,10 +22783,6 @@
               </a:rPr>
               <a:t>依摩尔定律而设计</a:t>
             </a:r>
-            <a:endParaRPr lang="zh-CN" altLang="en-US" sz="2400" b="1" dirty="0">
-              <a:latin typeface="微软雅黑" panose="020B0503020204020204" pitchFamily="34" charset="-122"/>
-              <a:ea typeface="微软雅黑" panose="020B0503020204020204" pitchFamily="34" charset="-122"/>
-            </a:endParaRPr>
           </a:p>
         </p:txBody>
       </p:sp>
@@ -22837,10 +22827,6 @@
               </a:rPr>
               <a:t>抽象思想简化设计</a:t>
             </a:r>
-            <a:endParaRPr lang="zh-CN" altLang="en-US" sz="2400" b="1" dirty="0">
-              <a:latin typeface="微软雅黑" panose="020B0503020204020204" pitchFamily="34" charset="-122"/>
-              <a:ea typeface="微软雅黑" panose="020B0503020204020204" pitchFamily="34" charset="-122"/>
-            </a:endParaRPr>
           </a:p>
         </p:txBody>
       </p:sp>
@@ -22885,10 +22871,6 @@
               </a:rPr>
               <a:t>加速大概率事件</a:t>
             </a:r>
-            <a:endParaRPr lang="zh-CN" altLang="en-US" sz="2400" b="1" dirty="0">
-              <a:latin typeface="微软雅黑" panose="020B0503020204020204" pitchFamily="34" charset="-122"/>
-              <a:ea typeface="微软雅黑" panose="020B0503020204020204" pitchFamily="34" charset="-122"/>
-            </a:endParaRPr>
           </a:p>
         </p:txBody>
       </p:sp>
@@ -22933,10 +22915,6 @@
               </a:rPr>
               <a:t>并行提高性能</a:t>
             </a:r>
-            <a:endParaRPr lang="zh-CN" altLang="en-US" sz="2400" b="1" dirty="0">
-              <a:latin typeface="微软雅黑" panose="020B0503020204020204" pitchFamily="34" charset="-122"/>
-              <a:ea typeface="微软雅黑" panose="020B0503020204020204" pitchFamily="34" charset="-122"/>
-            </a:endParaRPr>
           </a:p>
         </p:txBody>
       </p:sp>
@@ -22981,10 +22959,6 @@
               </a:rPr>
               <a:t>流水线提高性能</a:t>
             </a:r>
-            <a:endParaRPr lang="zh-CN" altLang="en-US" sz="2400" b="1" dirty="0">
-              <a:latin typeface="微软雅黑" panose="020B0503020204020204" pitchFamily="34" charset="-122"/>
-              <a:ea typeface="微软雅黑" panose="020B0503020204020204" pitchFamily="34" charset="-122"/>
-            </a:endParaRPr>
           </a:p>
         </p:txBody>
       </p:sp>
@@ -23029,10 +23003,6 @@
               </a:rPr>
               <a:t>预测法提高效率</a:t>
             </a:r>
-            <a:endParaRPr lang="zh-CN" altLang="en-US" sz="2400" b="1" dirty="0">
-              <a:latin typeface="微软雅黑" panose="020B0503020204020204" pitchFamily="34" charset="-122"/>
-              <a:ea typeface="微软雅黑" panose="020B0503020204020204" pitchFamily="34" charset="-122"/>
-            </a:endParaRPr>
           </a:p>
         </p:txBody>
       </p:sp>
@@ -23077,10 +23047,6 @@
               </a:rPr>
               <a:t>存储器的层次结构</a:t>
             </a:r>
-            <a:endParaRPr lang="zh-CN" altLang="en-US" sz="2400" b="1" dirty="0">
-              <a:latin typeface="微软雅黑" panose="020B0503020204020204" pitchFamily="34" charset="-122"/>
-              <a:ea typeface="微软雅黑" panose="020B0503020204020204" pitchFamily="34" charset="-122"/>
-            </a:endParaRPr>
           </a:p>
         </p:txBody>
       </p:sp>
@@ -23125,10 +23091,6 @@
               </a:rPr>
               <a:t>冗余增加可靠性</a:t>
             </a:r>
-            <a:endParaRPr lang="zh-CN" altLang="en-US" sz="2400" b="1" dirty="0">
-              <a:latin typeface="微软雅黑" panose="020B0503020204020204" pitchFamily="34" charset="-122"/>
-              <a:ea typeface="微软雅黑" panose="020B0503020204020204" pitchFamily="34" charset="-122"/>
-            </a:endParaRPr>
           </a:p>
         </p:txBody>
       </p:sp>
@@ -23141,10 +23103,10 @@
           <p:nvPr/>
         </p:nvPicPr>
         <p:blipFill>
-          <a:blip r:embed="rId3">
+          <a:blip r:embed="rId5">
             <a:extLst>
               <a:ext uri="{96DAC541-7B7A-43D3-8B79-37D633B846F1}">
-                <asvg:svgBlip xmlns:asvg="http://schemas.microsoft.com/office/drawing/2016/SVG/main" r:embed="rId4"/>
+                <asvg:svgBlip xmlns:asvg="http://schemas.microsoft.com/office/drawing/2016/SVG/main" r:embed="rId6"/>
               </a:ext>
             </a:extLst>
           </a:blip>
@@ -23195,6 +23157,7 @@
           <a:bodyPr wrap="square">
             <a:spAutoFit/>
           </a:bodyPr>
+          <a:lstStyle/>
           <a:p>
             <a:pPr>
               <a:lnSpc>
@@ -23221,13 +23184,13 @@
   <p:clrMapOvr>
     <a:masterClrMapping/>
   </p:clrMapOvr>
-  <mc:AlternateContent xmlns:mc="http://schemas.openxmlformats.org/markup-compatibility/2006">
-    <mc:Choice xmlns:p14="http://schemas.microsoft.com/office/powerpoint/2010/main" Requires="p14">
+  <mc:AlternateContent xmlns:mc="http://schemas.openxmlformats.org/markup-compatibility/2006" xmlns:p14="http://schemas.microsoft.com/office/powerpoint/2010/main">
+    <mc:Choice Requires="p14">
       <p:transition spd="med" p14:dur="700">
         <p:fade/>
       </p:transition>
     </mc:Choice>
-    <mc:Fallback>
+    <mc:Fallback xmlns="">
       <p:transition spd="med">
         <p:fade/>
       </p:transition>
@@ -24328,10 +24291,6 @@
               </a:rPr>
               <a:t>内容概述</a:t>
             </a:r>
-            <a:endParaRPr lang="zh-CN" altLang="en-US" sz="2400" b="1" dirty="0">
-              <a:latin typeface="微软雅黑" panose="020B0503020204020204" pitchFamily="34" charset="-122"/>
-              <a:ea typeface="微软雅黑" panose="020B0503020204020204" pitchFamily="34" charset="-122"/>
-            </a:endParaRPr>
           </a:p>
         </p:txBody>
       </p:sp>
@@ -24354,7 +24313,6 @@
               <a:rPr lang="zh-CN" altLang="en-US"/>
               <a:t>华中科技大学 光学与电子信息学院</a:t>
             </a:r>
-            <a:endParaRPr lang="zh-CN" altLang="en-US"/>
           </a:p>
         </p:txBody>
       </p:sp>
@@ -24756,13 +24714,13 @@
   <p:clrMapOvr>
     <a:masterClrMapping/>
   </p:clrMapOvr>
-  <mc:AlternateContent xmlns:mc="http://schemas.openxmlformats.org/markup-compatibility/2006">
-    <mc:Choice xmlns:p14="http://schemas.microsoft.com/office/powerpoint/2010/main" Requires="p14">
+  <mc:AlternateContent xmlns:mc="http://schemas.openxmlformats.org/markup-compatibility/2006" xmlns:p14="http://schemas.microsoft.com/office/powerpoint/2010/main">
+    <mc:Choice Requires="p14">
       <p:transition spd="med" p14:dur="700">
         <p:fade/>
       </p:transition>
     </mc:Choice>
-    <mc:Fallback>
+    <mc:Fallback xmlns="">
       <p:transition spd="med">
         <p:fade/>
       </p:transition>
@@ -24945,10 +24903,6 @@
               </a:rPr>
               <a:t>硬件模型</a:t>
             </a:r>
-            <a:endParaRPr lang="zh-CN" altLang="en-US" sz="2400" b="1" dirty="0">
-              <a:latin typeface="微软雅黑" panose="020B0503020204020204" pitchFamily="34" charset="-122"/>
-              <a:ea typeface="微软雅黑" panose="020B0503020204020204" pitchFamily="34" charset="-122"/>
-            </a:endParaRPr>
           </a:p>
         </p:txBody>
       </p:sp>
@@ -24971,7 +24925,6 @@
               <a:rPr lang="zh-CN" altLang="en-US"/>
               <a:t>华中科技大学 光学与电子信息学院</a:t>
             </a:r>
-            <a:endParaRPr lang="zh-CN" altLang="en-US"/>
           </a:p>
         </p:txBody>
       </p:sp>
@@ -24992,7 +24945,7 @@
         <p:sp>
           <p:nvSpPr>
             <p:cNvPr id="24" name="矩形 23">
-              <a:hlinkClick r:id="rId1" action="ppaction://hlinksldjump"/>
+              <a:hlinkClick r:id="rId3" action="ppaction://hlinksldjump"/>
             </p:cNvPr>
             <p:cNvSpPr/>
             <p:nvPr/>
@@ -25028,7 +24981,7 @@
         <p:sp>
           <p:nvSpPr>
             <p:cNvPr id="25" name="矩形 24">
-              <a:hlinkClick r:id="rId2" action="ppaction://hlinksldjump"/>
+              <a:hlinkClick r:id="rId4" action="ppaction://hlinksldjump"/>
             </p:cNvPr>
             <p:cNvSpPr/>
             <p:nvPr/>
@@ -25061,17 +25014,13 @@
                 </a:rPr>
                 <a:t>我们的计算机需要实现什么功能？</a:t>
               </a:r>
-              <a:endParaRPr lang="zh-CN" altLang="en-US" sz="2400" b="1" dirty="0">
-                <a:latin typeface="微软雅黑" panose="020B0503020204020204" pitchFamily="34" charset="-122"/>
-                <a:ea typeface="微软雅黑" panose="020B0503020204020204" pitchFamily="34" charset="-122"/>
-              </a:endParaRPr>
             </a:p>
           </p:txBody>
         </p:sp>
         <p:sp>
           <p:nvSpPr>
             <p:cNvPr id="26" name="矩形 25">
-              <a:hlinkClick r:id="rId3" action="ppaction://hlinksldjump"/>
+              <a:hlinkClick r:id="rId5" action="ppaction://hlinksldjump"/>
             </p:cNvPr>
             <p:cNvSpPr/>
             <p:nvPr/>
@@ -25118,10 +25067,6 @@
                 </a:rPr>
                 <a:t>使用抽象思想）</a:t>
               </a:r>
-              <a:endParaRPr lang="zh-CN" altLang="en-US" sz="2400" b="1" dirty="0">
-                <a:latin typeface="微软雅黑" panose="020B0503020204020204" pitchFamily="34" charset="-122"/>
-                <a:ea typeface="微软雅黑" panose="020B0503020204020204" pitchFamily="34" charset="-122"/>
-              </a:endParaRPr>
             </a:p>
           </p:txBody>
         </p:sp>
@@ -25131,13 +25076,13 @@
   <p:clrMapOvr>
     <a:masterClrMapping/>
   </p:clrMapOvr>
-  <mc:AlternateContent xmlns:mc="http://schemas.openxmlformats.org/markup-compatibility/2006">
-    <mc:Choice xmlns:p14="http://schemas.microsoft.com/office/powerpoint/2010/main" Requires="p14">
+  <mc:AlternateContent xmlns:mc="http://schemas.openxmlformats.org/markup-compatibility/2006" xmlns:p14="http://schemas.microsoft.com/office/powerpoint/2010/main">
+    <mc:Choice Requires="p14">
       <p:transition spd="med" p14:dur="700">
         <p:fade/>
       </p:transition>
     </mc:Choice>
-    <mc:Fallback>
+    <mc:Fallback xmlns="">
       <p:transition spd="med">
         <p:fade/>
       </p:transition>
@@ -25147,31 +25092,31 @@
 </file>
 
 <file path=ppt/tags/tag1.xml><?xml version="1.0" encoding="utf-8"?>
-<p:tagLst xmlns:p="http://schemas.openxmlformats.org/presentationml/2006/main">
+<p:tagLst xmlns:a="http://schemas.openxmlformats.org/drawingml/2006/main" xmlns:r="http://schemas.openxmlformats.org/officeDocument/2006/relationships" xmlns:p="http://schemas.openxmlformats.org/presentationml/2006/main">
   <p:tag name="TIMING" val="|1.1|7|11.5|8.9|4.3|3.2|5.8"/>
 </p:tagLst>
 </file>
 
 <file path=ppt/tags/tag2.xml><?xml version="1.0" encoding="utf-8"?>
-<p:tagLst xmlns:p="http://schemas.openxmlformats.org/presentationml/2006/main">
+<p:tagLst xmlns:a="http://schemas.openxmlformats.org/drawingml/2006/main" xmlns:r="http://schemas.openxmlformats.org/officeDocument/2006/relationships" xmlns:p="http://schemas.openxmlformats.org/presentationml/2006/main">
   <p:tag name="TIMING" val="|2.1|10|15.6"/>
 </p:tagLst>
 </file>
 
 <file path=ppt/tags/tag3.xml><?xml version="1.0" encoding="utf-8"?>
-<p:tagLst xmlns:p="http://schemas.openxmlformats.org/presentationml/2006/main">
+<p:tagLst xmlns:a="http://schemas.openxmlformats.org/drawingml/2006/main" xmlns:r="http://schemas.openxmlformats.org/officeDocument/2006/relationships" xmlns:p="http://schemas.openxmlformats.org/presentationml/2006/main">
   <p:tag name="TIMING" val="|1.1|7|11.5|8.9|4.3|3.2|5.8"/>
 </p:tagLst>
 </file>
 
 <file path=ppt/tags/tag4.xml><?xml version="1.0" encoding="utf-8"?>
-<p:tagLst xmlns:p="http://schemas.openxmlformats.org/presentationml/2006/main">
+<p:tagLst xmlns:a="http://schemas.openxmlformats.org/drawingml/2006/main" xmlns:r="http://schemas.openxmlformats.org/officeDocument/2006/relationships" xmlns:p="http://schemas.openxmlformats.org/presentationml/2006/main">
   <p:tag name="TIMING" val="|1.1|7|11.5|8.9|4.3|3.2|5.8"/>
 </p:tagLst>
 </file>
 
 <file path=ppt/tags/tag5.xml><?xml version="1.0" encoding="utf-8"?>
-<p:tagLst xmlns:p="http://schemas.openxmlformats.org/presentationml/2006/main">
+<p:tagLst xmlns:a="http://schemas.openxmlformats.org/drawingml/2006/main" xmlns:r="http://schemas.openxmlformats.org/officeDocument/2006/relationships" xmlns:p="http://schemas.openxmlformats.org/presentationml/2006/main">
   <p:tag name="TIMING" val="|1.1|7|11.5|8.9|4.3|3.2|5.8"/>
 </p:tagLst>
 </file>
@@ -25454,6 +25399,8 @@
       </a:bgFillStyleLst>
     </a:fmtScheme>
   </a:themeElements>
+  <a:objectDefaults/>
+  <a:extraClrSchemeLst/>
   <a:extLst>
     <a:ext uri="{05A4C25C-085E-4340-85A3-A5531E510DB2}">
       <thm15:themeFamily xmlns:thm15="http://schemas.microsoft.com/office/thememl/2012/main" name="Office Theme" id="{62F939B6-93AF-4DB8-9C6B-D6C7DFDC589F}" vid="{4A3C46E8-61CC-4603-A589-7422A47A8E4A}"/>
@@ -25742,6 +25689,8 @@
       </a:bgFillStyleLst>
     </a:fmtScheme>
   </a:themeElements>
+  <a:objectDefaults/>
+  <a:extraClrSchemeLst/>
   <a:extLst>
     <a:ext uri="{05A4C25C-085E-4340-85A3-A5531E510DB2}">
       <thm15:themeFamily xmlns:thm15="http://schemas.microsoft.com/office/thememl/2012/main" name="Office Theme" id="{62F939B6-93AF-4DB8-9C6B-D6C7DFDC589F}" vid="{4A3C46E8-61CC-4603-A589-7422A47A8E4A}"/>
